--- a/19-type-systems/lec.pptx
+++ b/19-type-systems/lec.pptx
@@ -5,7 +5,7 @@
     <p:sldMasterId id="2147483648" r:id="rId1"/>
   </p:sldMasterIdLst>
   <p:notesMasterIdLst>
-    <p:notesMasterId r:id="rId29"/>
+    <p:notesMasterId r:id="rId30"/>
   </p:notesMasterIdLst>
   <p:sldIdLst>
     <p:sldId id="441" r:id="rId2"/>
@@ -23,18 +23,19 @@
     <p:sldId id="563" r:id="rId14"/>
     <p:sldId id="548" r:id="rId15"/>
     <p:sldId id="549" r:id="rId16"/>
-    <p:sldId id="567" r:id="rId17"/>
-    <p:sldId id="564" r:id="rId18"/>
-    <p:sldId id="560" r:id="rId19"/>
-    <p:sldId id="566" r:id="rId20"/>
-    <p:sldId id="565" r:id="rId21"/>
-    <p:sldId id="569" r:id="rId22"/>
-    <p:sldId id="570" r:id="rId23"/>
-    <p:sldId id="571" r:id="rId24"/>
-    <p:sldId id="572" r:id="rId25"/>
-    <p:sldId id="573" r:id="rId26"/>
-    <p:sldId id="501" r:id="rId27"/>
-    <p:sldId id="495" r:id="rId28"/>
+    <p:sldId id="575" r:id="rId17"/>
+    <p:sldId id="567" r:id="rId18"/>
+    <p:sldId id="564" r:id="rId19"/>
+    <p:sldId id="560" r:id="rId20"/>
+    <p:sldId id="566" r:id="rId21"/>
+    <p:sldId id="565" r:id="rId22"/>
+    <p:sldId id="569" r:id="rId23"/>
+    <p:sldId id="570" r:id="rId24"/>
+    <p:sldId id="571" r:id="rId25"/>
+    <p:sldId id="572" r:id="rId26"/>
+    <p:sldId id="573" r:id="rId27"/>
+    <p:sldId id="501" r:id="rId28"/>
+    <p:sldId id="495" r:id="rId29"/>
   </p:sldIdLst>
   <p:sldSz cx="9144000" cy="6858000" type="screen4x3"/>
   <p:notesSz cx="6858000" cy="9144000"/>
@@ -234,7 +235,7 @@
           <a:p>
             <a:fld id="{5367F125-181F-9A48-A24E-AAD89CB055B5}" type="datetimeFigureOut">
               <a:rPr lang="en-US" smtClean="0"/>
-              <a:t>11/6/19</a:t>
+              <a:t>11/7/19</a:t>
             </a:fld>
             <a:endParaRPr lang="en-US"/>
           </a:p>
@@ -646,7 +647,18 @@
           <a:bodyPr/>
           <a:lstStyle/>
           <a:p>
-            <a:endParaRPr lang="en-US" dirty="0"/>
+            <a:r>
+              <a:rPr lang="en-US" dirty="0"/>
+              <a:t>[demo-</a:t>
+            </a:r>
+            <a:r>
+              <a:rPr lang="en-US" dirty="0" err="1"/>
+              <a:t>annot</a:t>
+            </a:r>
+            <a:r>
+              <a:rPr lang="en-US"/>
+              <a:t>]</a:t>
+            </a:r>
           </a:p>
         </p:txBody>
       </p:sp>
@@ -667,7 +679,7 @@
           <a:p>
             <a:fld id="{B7975FD5-AB21-4C45-BFE8-1D3F02B463E2}" type="slidenum">
               <a:rPr lang="en-US" smtClean="0"/>
-              <a:t>18</a:t>
+              <a:t>15</a:t>
             </a:fld>
             <a:endParaRPr lang="en-US"/>
           </a:p>
@@ -676,7 +688,7 @@
     </p:spTree>
     <p:extLst>
       <p:ext uri="{BB962C8B-B14F-4D97-AF65-F5344CB8AC3E}">
-        <p14:creationId xmlns:p14="http://schemas.microsoft.com/office/powerpoint/2010/main" val="2557294682"/>
+        <p14:creationId xmlns:p14="http://schemas.microsoft.com/office/powerpoint/2010/main" val="43621369"/>
       </p:ext>
     </p:extLst>
   </p:cSld>
@@ -730,35 +742,7 @@
           <a:bodyPr/>
           <a:lstStyle/>
           <a:p>
-            <a:r>
-              <a:rPr lang="en-US" dirty="0"/>
-              <a:t>Note that empty environment is crucial.</a:t>
-            </a:r>
-          </a:p>
-          <a:p>
-            <a:r>
-              <a:rPr lang="en-US" dirty="0"/>
-              <a:t>{x : </a:t>
-            </a:r>
-            <a:r>
-              <a:rPr lang="en-US" dirty="0" err="1"/>
-              <a:t>int</a:t>
-            </a:r>
-            <a:r>
-              <a:rPr lang="en-US" dirty="0"/>
-              <a:t>} |- x : </a:t>
-            </a:r>
-            <a:r>
-              <a:rPr lang="en-US" dirty="0" err="1"/>
-              <a:t>int</a:t>
-            </a:r>
             <a:endParaRPr lang="en-US" dirty="0"/>
-          </a:p>
-          <a:p>
-            <a:r>
-              <a:rPr lang="en-US" dirty="0"/>
-              <a:t>but x -/-&gt;</a:t>
-            </a:r>
           </a:p>
         </p:txBody>
       </p:sp>
@@ -779,7 +763,7 @@
           <a:p>
             <a:fld id="{B7975FD5-AB21-4C45-BFE8-1D3F02B463E2}" type="slidenum">
               <a:rPr lang="en-US" smtClean="0"/>
-              <a:t>20</a:t>
+              <a:t>19</a:t>
             </a:fld>
             <a:endParaRPr lang="en-US"/>
           </a:p>
@@ -788,7 +772,7 @@
     </p:spTree>
     <p:extLst>
       <p:ext uri="{BB962C8B-B14F-4D97-AF65-F5344CB8AC3E}">
-        <p14:creationId xmlns:p14="http://schemas.microsoft.com/office/powerpoint/2010/main" val="3578036386"/>
+        <p14:creationId xmlns:p14="http://schemas.microsoft.com/office/powerpoint/2010/main" val="2557294682"/>
       </p:ext>
     </p:extLst>
   </p:cSld>
@@ -844,7 +828,32 @@
           <a:p>
             <a:r>
               <a:rPr lang="en-US" dirty="0"/>
-              <a:t>I don’t expect you to do this kind of proof (that’s 4110), but I want you to see the outline of it.</a:t>
+              <a:t>Note that empty environment is crucial.</a:t>
+            </a:r>
+          </a:p>
+          <a:p>
+            <a:r>
+              <a:rPr lang="en-US" dirty="0"/>
+              <a:t>{x : </a:t>
+            </a:r>
+            <a:r>
+              <a:rPr lang="en-US" dirty="0" err="1"/>
+              <a:t>int</a:t>
+            </a:r>
+            <a:r>
+              <a:rPr lang="en-US" dirty="0"/>
+              <a:t>} |- x : </a:t>
+            </a:r>
+            <a:r>
+              <a:rPr lang="en-US" dirty="0" err="1"/>
+              <a:t>int</a:t>
+            </a:r>
+            <a:endParaRPr lang="en-US" dirty="0"/>
+          </a:p>
+          <a:p>
+            <a:r>
+              <a:rPr lang="en-US" dirty="0"/>
+              <a:t>but x -/-&gt;</a:t>
             </a:r>
           </a:p>
         </p:txBody>
@@ -875,7 +884,7 @@
     </p:spTree>
     <p:extLst>
       <p:ext uri="{BB962C8B-B14F-4D97-AF65-F5344CB8AC3E}">
-        <p14:creationId xmlns:p14="http://schemas.microsoft.com/office/powerpoint/2010/main" val="194530851"/>
+        <p14:creationId xmlns:p14="http://schemas.microsoft.com/office/powerpoint/2010/main" val="3578036386"/>
       </p:ext>
     </p:extLst>
   </p:cSld>
@@ -929,9 +938,10 @@
           <a:bodyPr/>
           <a:lstStyle/>
           <a:p>
-            <a:endParaRPr lang="en-US" dirty="0">
-              <a:sym typeface="Wingdings" pitchFamily="2" charset="2"/>
-            </a:endParaRPr>
+            <a:r>
+              <a:rPr lang="en-US" dirty="0"/>
+              <a:t>I don’t expect you to do this kind of proof (that’s 4110), but I want you to see the outline of it.</a:t>
+            </a:r>
           </a:p>
         </p:txBody>
       </p:sp>
@@ -952,7 +962,7 @@
           <a:p>
             <a:fld id="{B7975FD5-AB21-4C45-BFE8-1D3F02B463E2}" type="slidenum">
               <a:rPr lang="en-US" smtClean="0"/>
-              <a:t>23</a:t>
+              <a:t>22</a:t>
             </a:fld>
             <a:endParaRPr lang="en-US"/>
           </a:p>
@@ -961,7 +971,7 @@
     </p:spTree>
     <p:extLst>
       <p:ext uri="{BB962C8B-B14F-4D97-AF65-F5344CB8AC3E}">
-        <p14:creationId xmlns:p14="http://schemas.microsoft.com/office/powerpoint/2010/main" val="2785575693"/>
+        <p14:creationId xmlns:p14="http://schemas.microsoft.com/office/powerpoint/2010/main" val="194530851"/>
       </p:ext>
     </p:extLst>
   </p:cSld>
@@ -1015,7 +1025,9 @@
           <a:bodyPr/>
           <a:lstStyle/>
           <a:p>
-            <a:endParaRPr lang="en-US" dirty="0"/>
+            <a:endParaRPr lang="en-US" dirty="0">
+              <a:sym typeface="Wingdings" pitchFamily="2" charset="2"/>
+            </a:endParaRPr>
           </a:p>
         </p:txBody>
       </p:sp>
@@ -1036,7 +1048,7 @@
           <a:p>
             <a:fld id="{B7975FD5-AB21-4C45-BFE8-1D3F02B463E2}" type="slidenum">
               <a:rPr lang="en-US" smtClean="0"/>
-              <a:t>26</a:t>
+              <a:t>24</a:t>
             </a:fld>
             <a:endParaRPr lang="en-US"/>
           </a:p>
@@ -1045,7 +1057,7 @@
     </p:spTree>
     <p:extLst>
       <p:ext uri="{BB962C8B-B14F-4D97-AF65-F5344CB8AC3E}">
-        <p14:creationId xmlns:p14="http://schemas.microsoft.com/office/powerpoint/2010/main" val="824837464"/>
+        <p14:creationId xmlns:p14="http://schemas.microsoft.com/office/powerpoint/2010/main" val="2785575693"/>
       </p:ext>
     </p:extLst>
   </p:cSld>
@@ -1099,6 +1111,192 @@
           <a:bodyPr/>
           <a:lstStyle/>
           <a:p>
+            <a:r>
+              <a:rPr lang="en-US" dirty="0"/>
+              <a:t>[demo-infer]</a:t>
+            </a:r>
+          </a:p>
+        </p:txBody>
+      </p:sp>
+      <p:sp>
+        <p:nvSpPr>
+          <p:cNvPr id="4" name="Slide Number Placeholder 3"/>
+          <p:cNvSpPr>
+            <a:spLocks noGrp="1"/>
+          </p:cNvSpPr>
+          <p:nvPr>
+            <p:ph type="sldNum" sz="quarter" idx="5"/>
+          </p:nvPr>
+        </p:nvSpPr>
+        <p:spPr/>
+        <p:txBody>
+          <a:bodyPr/>
+          <a:lstStyle/>
+          <a:p>
+            <a:fld id="{B7975FD5-AB21-4C45-BFE8-1D3F02B463E2}" type="slidenum">
+              <a:rPr lang="en-US" smtClean="0"/>
+              <a:t>25</a:t>
+            </a:fld>
+            <a:endParaRPr lang="en-US"/>
+          </a:p>
+        </p:txBody>
+      </p:sp>
+    </p:spTree>
+    <p:extLst>
+      <p:ext uri="{BB962C8B-B14F-4D97-AF65-F5344CB8AC3E}">
+        <p14:creationId xmlns:p14="http://schemas.microsoft.com/office/powerpoint/2010/main" val="3030307671"/>
+      </p:ext>
+    </p:extLst>
+  </p:cSld>
+  <p:clrMapOvr>
+    <a:masterClrMapping/>
+  </p:clrMapOvr>
+</p:notes>
+</file>
+
+<file path=ppt/notesSlides/notesSlide16.xml><?xml version="1.0" encoding="utf-8"?>
+<p:notes xmlns:a="http://schemas.openxmlformats.org/drawingml/2006/main" xmlns:r="http://schemas.openxmlformats.org/officeDocument/2006/relationships" xmlns:p="http://schemas.openxmlformats.org/presentationml/2006/main">
+  <p:cSld>
+    <p:spTree>
+      <p:nvGrpSpPr>
+        <p:cNvPr id="1" name=""/>
+        <p:cNvGrpSpPr/>
+        <p:nvPr/>
+      </p:nvGrpSpPr>
+      <p:grpSpPr>
+        <a:xfrm>
+          <a:off x="0" y="0"/>
+          <a:ext cx="0" cy="0"/>
+          <a:chOff x="0" y="0"/>
+          <a:chExt cx="0" cy="0"/>
+        </a:xfrm>
+      </p:grpSpPr>
+      <p:sp>
+        <p:nvSpPr>
+          <p:cNvPr id="2" name="Slide Image Placeholder 1"/>
+          <p:cNvSpPr>
+            <a:spLocks noGrp="1" noRot="1" noChangeAspect="1"/>
+          </p:cNvSpPr>
+          <p:nvPr>
+            <p:ph type="sldImg"/>
+          </p:nvPr>
+        </p:nvSpPr>
+        <p:spPr/>
+      </p:sp>
+      <p:sp>
+        <p:nvSpPr>
+          <p:cNvPr id="3" name="Notes Placeholder 2"/>
+          <p:cNvSpPr>
+            <a:spLocks noGrp="1"/>
+          </p:cNvSpPr>
+          <p:nvPr>
+            <p:ph type="body" idx="1"/>
+          </p:nvPr>
+        </p:nvSpPr>
+        <p:spPr/>
+        <p:txBody>
+          <a:bodyPr/>
+          <a:lstStyle/>
+          <a:p>
+            <a:r>
+              <a:rPr lang="en-US" dirty="0"/>
+              <a:t>To scale up to </a:t>
+            </a:r>
+            <a:r>
+              <a:rPr lang="en-US" dirty="0" err="1"/>
+              <a:t>OCaml</a:t>
+            </a:r>
+            <a:r>
+              <a:rPr lang="en-US" dirty="0"/>
+              <a:t>, need to add lots of features, including functions and </a:t>
+            </a:r>
+            <a:r>
+              <a:rPr lang="en-US"/>
+              <a:t>type variables.</a:t>
+            </a:r>
+          </a:p>
+        </p:txBody>
+      </p:sp>
+      <p:sp>
+        <p:nvSpPr>
+          <p:cNvPr id="4" name="Slide Number Placeholder 3"/>
+          <p:cNvSpPr>
+            <a:spLocks noGrp="1"/>
+          </p:cNvSpPr>
+          <p:nvPr>
+            <p:ph type="sldNum" sz="quarter" idx="5"/>
+          </p:nvPr>
+        </p:nvSpPr>
+        <p:spPr/>
+        <p:txBody>
+          <a:bodyPr/>
+          <a:lstStyle/>
+          <a:p>
+            <a:fld id="{B7975FD5-AB21-4C45-BFE8-1D3F02B463E2}" type="slidenum">
+              <a:rPr lang="en-US" smtClean="0"/>
+              <a:t>26</a:t>
+            </a:fld>
+            <a:endParaRPr lang="en-US"/>
+          </a:p>
+        </p:txBody>
+      </p:sp>
+    </p:spTree>
+    <p:extLst>
+      <p:ext uri="{BB962C8B-B14F-4D97-AF65-F5344CB8AC3E}">
+        <p14:creationId xmlns:p14="http://schemas.microsoft.com/office/powerpoint/2010/main" val="3799433514"/>
+      </p:ext>
+    </p:extLst>
+  </p:cSld>
+  <p:clrMapOvr>
+    <a:masterClrMapping/>
+  </p:clrMapOvr>
+</p:notes>
+</file>
+
+<file path=ppt/notesSlides/notesSlide17.xml><?xml version="1.0" encoding="utf-8"?>
+<p:notes xmlns:a="http://schemas.openxmlformats.org/drawingml/2006/main" xmlns:r="http://schemas.openxmlformats.org/officeDocument/2006/relationships" xmlns:p="http://schemas.openxmlformats.org/presentationml/2006/main">
+  <p:cSld>
+    <p:spTree>
+      <p:nvGrpSpPr>
+        <p:cNvPr id="1" name=""/>
+        <p:cNvGrpSpPr/>
+        <p:nvPr/>
+      </p:nvGrpSpPr>
+      <p:grpSpPr>
+        <a:xfrm>
+          <a:off x="0" y="0"/>
+          <a:ext cx="0" cy="0"/>
+          <a:chOff x="0" y="0"/>
+          <a:chExt cx="0" cy="0"/>
+        </a:xfrm>
+      </p:grpSpPr>
+      <p:sp>
+        <p:nvSpPr>
+          <p:cNvPr id="2" name="Slide Image Placeholder 1"/>
+          <p:cNvSpPr>
+            <a:spLocks noGrp="1" noRot="1" noChangeAspect="1"/>
+          </p:cNvSpPr>
+          <p:nvPr>
+            <p:ph type="sldImg"/>
+          </p:nvPr>
+        </p:nvSpPr>
+        <p:spPr/>
+      </p:sp>
+      <p:sp>
+        <p:nvSpPr>
+          <p:cNvPr id="3" name="Notes Placeholder 2"/>
+          <p:cNvSpPr>
+            <a:spLocks noGrp="1"/>
+          </p:cNvSpPr>
+          <p:nvPr>
+            <p:ph type="body" idx="1"/>
+          </p:nvPr>
+        </p:nvSpPr>
+        <p:spPr/>
+        <p:txBody>
+          <a:bodyPr/>
+          <a:lstStyle/>
+          <a:p>
             <a:endParaRPr lang="en-US" dirty="0"/>
           </a:p>
         </p:txBody>
@@ -1110,7 +1308,7 @@
             <a:spLocks noGrp="1"/>
           </p:cNvSpPr>
           <p:nvPr>
-            <p:ph type="sldNum" sz="quarter" idx="10"/>
+            <p:ph type="sldNum" sz="quarter" idx="5"/>
           </p:nvPr>
         </p:nvSpPr>
         <p:spPr/>
@@ -1121,6 +1319,90 @@
             <a:fld id="{B7975FD5-AB21-4C45-BFE8-1D3F02B463E2}" type="slidenum">
               <a:rPr lang="en-US" smtClean="0"/>
               <a:t>27</a:t>
+            </a:fld>
+            <a:endParaRPr lang="en-US"/>
+          </a:p>
+        </p:txBody>
+      </p:sp>
+    </p:spTree>
+    <p:extLst>
+      <p:ext uri="{BB962C8B-B14F-4D97-AF65-F5344CB8AC3E}">
+        <p14:creationId xmlns:p14="http://schemas.microsoft.com/office/powerpoint/2010/main" val="824837464"/>
+      </p:ext>
+    </p:extLst>
+  </p:cSld>
+  <p:clrMapOvr>
+    <a:masterClrMapping/>
+  </p:clrMapOvr>
+</p:notes>
+</file>
+
+<file path=ppt/notesSlides/notesSlide18.xml><?xml version="1.0" encoding="utf-8"?>
+<p:notes xmlns:a="http://schemas.openxmlformats.org/drawingml/2006/main" xmlns:r="http://schemas.openxmlformats.org/officeDocument/2006/relationships" xmlns:p="http://schemas.openxmlformats.org/presentationml/2006/main">
+  <p:cSld>
+    <p:spTree>
+      <p:nvGrpSpPr>
+        <p:cNvPr id="1" name=""/>
+        <p:cNvGrpSpPr/>
+        <p:nvPr/>
+      </p:nvGrpSpPr>
+      <p:grpSpPr>
+        <a:xfrm>
+          <a:off x="0" y="0"/>
+          <a:ext cx="0" cy="0"/>
+          <a:chOff x="0" y="0"/>
+          <a:chExt cx="0" cy="0"/>
+        </a:xfrm>
+      </p:grpSpPr>
+      <p:sp>
+        <p:nvSpPr>
+          <p:cNvPr id="2" name="Slide Image Placeholder 1"/>
+          <p:cNvSpPr>
+            <a:spLocks noGrp="1" noRot="1" noChangeAspect="1"/>
+          </p:cNvSpPr>
+          <p:nvPr>
+            <p:ph type="sldImg"/>
+          </p:nvPr>
+        </p:nvSpPr>
+        <p:spPr/>
+      </p:sp>
+      <p:sp>
+        <p:nvSpPr>
+          <p:cNvPr id="3" name="Notes Placeholder 2"/>
+          <p:cNvSpPr>
+            <a:spLocks noGrp="1"/>
+          </p:cNvSpPr>
+          <p:nvPr>
+            <p:ph type="body" idx="1"/>
+          </p:nvPr>
+        </p:nvSpPr>
+        <p:spPr/>
+        <p:txBody>
+          <a:bodyPr/>
+          <a:lstStyle/>
+          <a:p>
+            <a:endParaRPr lang="en-US" dirty="0"/>
+          </a:p>
+        </p:txBody>
+      </p:sp>
+      <p:sp>
+        <p:nvSpPr>
+          <p:cNvPr id="4" name="Slide Number Placeholder 3"/>
+          <p:cNvSpPr>
+            <a:spLocks noGrp="1"/>
+          </p:cNvSpPr>
+          <p:nvPr>
+            <p:ph type="sldNum" sz="quarter" idx="10"/>
+          </p:nvPr>
+        </p:nvSpPr>
+        <p:spPr/>
+        <p:txBody>
+          <a:bodyPr/>
+          <a:lstStyle/>
+          <a:p>
+            <a:fld id="{B7975FD5-AB21-4C45-BFE8-1D3F02B463E2}" type="slidenum">
+              <a:rPr lang="en-US" smtClean="0"/>
+              <a:t>28</a:t>
             </a:fld>
             <a:endParaRPr lang="en-US"/>
           </a:p>
@@ -2165,7 +2447,7 @@
           <a:p>
             <a:fld id="{96331252-4874-F047-84B8-3D3EF8743E79}" type="datetimeFigureOut">
               <a:rPr lang="en-US" smtClean="0"/>
-              <a:t>11/6/19</a:t>
+              <a:t>11/7/19</a:t>
             </a:fld>
             <a:endParaRPr lang="en-US"/>
           </a:p>
@@ -2432,7 +2714,7 @@
           <a:p>
             <a:fld id="{96331252-4874-F047-84B8-3D3EF8743E79}" type="datetimeFigureOut">
               <a:rPr lang="en-US" smtClean="0"/>
-              <a:t>11/6/19</a:t>
+              <a:t>11/7/19</a:t>
             </a:fld>
             <a:endParaRPr lang="en-US"/>
           </a:p>
@@ -2610,7 +2892,7 @@
           <a:p>
             <a:fld id="{96331252-4874-F047-84B8-3D3EF8743E79}" type="datetimeFigureOut">
               <a:rPr lang="en-US" smtClean="0"/>
-              <a:t>11/6/19</a:t>
+              <a:t>11/7/19</a:t>
             </a:fld>
             <a:endParaRPr lang="en-US"/>
           </a:p>
@@ -2786,7 +3068,7 @@
           <a:p>
             <a:fld id="{96331252-4874-F047-84B8-3D3EF8743E79}" type="datetimeFigureOut">
               <a:rPr lang="en-US" smtClean="0"/>
-              <a:t>11/6/19</a:t>
+              <a:t>11/7/19</a:t>
             </a:fld>
             <a:endParaRPr lang="en-US"/>
           </a:p>
@@ -3031,7 +3313,7 @@
           <a:p>
             <a:fld id="{96331252-4874-F047-84B8-3D3EF8743E79}" type="datetimeFigureOut">
               <a:rPr lang="en-US" smtClean="0"/>
-              <a:t>11/6/19</a:t>
+              <a:t>11/7/19</a:t>
             </a:fld>
             <a:endParaRPr lang="en-US"/>
           </a:p>
@@ -3316,7 +3598,7 @@
           <a:p>
             <a:fld id="{96331252-4874-F047-84B8-3D3EF8743E79}" type="datetimeFigureOut">
               <a:rPr lang="en-US" smtClean="0"/>
-              <a:t>11/6/19</a:t>
+              <a:t>11/7/19</a:t>
             </a:fld>
             <a:endParaRPr lang="en-US"/>
           </a:p>
@@ -3735,7 +4017,7 @@
           <a:p>
             <a:fld id="{96331252-4874-F047-84B8-3D3EF8743E79}" type="datetimeFigureOut">
               <a:rPr lang="en-US" smtClean="0"/>
-              <a:t>11/6/19</a:t>
+              <a:t>11/7/19</a:t>
             </a:fld>
             <a:endParaRPr lang="en-US"/>
           </a:p>
@@ -3852,7 +4134,7 @@
           <a:p>
             <a:fld id="{96331252-4874-F047-84B8-3D3EF8743E79}" type="datetimeFigureOut">
               <a:rPr lang="en-US" smtClean="0"/>
-              <a:t>11/6/19</a:t>
+              <a:t>11/7/19</a:t>
             </a:fld>
             <a:endParaRPr lang="en-US"/>
           </a:p>
@@ -3947,7 +4229,7 @@
           <a:p>
             <a:fld id="{96331252-4874-F047-84B8-3D3EF8743E79}" type="datetimeFigureOut">
               <a:rPr lang="en-US" smtClean="0"/>
-              <a:t>11/6/19</a:t>
+              <a:t>11/7/19</a:t>
             </a:fld>
             <a:endParaRPr lang="en-US"/>
           </a:p>
@@ -4222,7 +4504,7 @@
           <a:p>
             <a:fld id="{96331252-4874-F047-84B8-3D3EF8743E79}" type="datetimeFigureOut">
               <a:rPr lang="en-US" smtClean="0"/>
-              <a:t>11/6/19</a:t>
+              <a:t>11/7/19</a:t>
             </a:fld>
             <a:endParaRPr lang="en-US"/>
           </a:p>
@@ -4474,7 +4756,7 @@
           <a:p>
             <a:fld id="{96331252-4874-F047-84B8-3D3EF8743E79}" type="datetimeFigureOut">
               <a:rPr lang="en-US" smtClean="0"/>
-              <a:t>11/6/19</a:t>
+              <a:t>11/7/19</a:t>
             </a:fld>
             <a:endParaRPr lang="en-US"/>
           </a:p>
@@ -4688,7 +4970,7 @@
             <a:fld id="{96331252-4874-F047-84B8-3D3EF8743E79}" type="datetimeFigureOut">
               <a:rPr lang="en-US" smtClean="0"/>
               <a:pPr/>
-              <a:t>11/6/19</a:t>
+              <a:t>11/7/19</a:t>
             </a:fld>
             <a:endParaRPr lang="en-US"/>
           </a:p>
@@ -5440,7 +5722,59 @@
             <a:pPr marL="0" indent="0">
               <a:buNone/>
             </a:pPr>
+            <a:r>
+              <a:rPr lang="en-US" b="1" dirty="0">
+                <a:latin typeface="Courier New"/>
+                <a:cs typeface="Courier New"/>
+              </a:rPr>
+              <a:t>{} </a:t>
+            </a:r>
+            <a:r>
+              <a:rPr lang="en-US" b="1" dirty="0">
+                <a:solidFill>
+                  <a:srgbClr val="1F497D"/>
+                </a:solidFill>
+                <a:latin typeface="Courier New"/>
+                <a:cs typeface="Courier New"/>
+              </a:rPr>
+              <a:t>⊬</a:t>
+            </a:r>
+            <a:r>
+              <a:rPr lang="en-US" b="1" dirty="0">
+                <a:solidFill>
+                  <a:srgbClr val="000000"/>
+                </a:solidFill>
+                <a:latin typeface="Courier New"/>
+                <a:cs typeface="Courier New"/>
+              </a:rPr>
+              <a:t> x : </a:t>
+            </a:r>
+            <a:r>
+              <a:rPr lang="en-US" b="1" dirty="0" err="1">
+                <a:solidFill>
+                  <a:srgbClr val="000000"/>
+                </a:solidFill>
+                <a:latin typeface="Courier New"/>
+                <a:cs typeface="Courier New"/>
+              </a:rPr>
+              <a:t>int</a:t>
+            </a:r>
             <a:endParaRPr lang="en-US" b="1" dirty="0">
+              <a:solidFill>
+                <a:srgbClr val="000000"/>
+              </a:solidFill>
+              <a:latin typeface="Courier New"/>
+              <a:cs typeface="Courier New"/>
+            </a:endParaRPr>
+          </a:p>
+          <a:p>
+            <a:pPr marL="0" indent="0">
+              <a:buNone/>
+            </a:pPr>
+            <a:endParaRPr lang="en-US" b="1" dirty="0">
+              <a:solidFill>
+                <a:srgbClr val="000000"/>
+              </a:solidFill>
               <a:latin typeface="Courier New"/>
               <a:cs typeface="Courier New"/>
             </a:endParaRPr>
@@ -7056,7 +7390,7 @@
                 <a:latin typeface="Courier New"/>
                 <a:cs typeface="Courier New"/>
               </a:rPr>
-              <a:t> let x = e1 in e2 : t2</a:t>
+              <a:t> let x : t1 = e1 in e2 : t2</a:t>
             </a:r>
             <a:endParaRPr lang="en-US" dirty="0">
               <a:solidFill>
@@ -7222,7 +7556,7 @@
           <p:cNvPr id="4" name="Title 3">
             <a:extLst>
               <a:ext uri="{FF2B5EF4-FFF2-40B4-BE49-F238E27FC236}">
-                <a16:creationId xmlns:a16="http://schemas.microsoft.com/office/drawing/2014/main" id="{4D6FA56C-5594-4640-A2AB-37DEC06D663A}"/>
+                <a16:creationId xmlns:a16="http://schemas.microsoft.com/office/drawing/2014/main" id="{AA547F2C-105B-3140-89C3-B468DD596F98}"/>
               </a:ext>
             </a:extLst>
           </p:cNvPr>
@@ -7240,7 +7574,15 @@
           <a:p>
             <a:r>
               <a:rPr lang="en-US" dirty="0"/>
-              <a:t>Type Safety</a:t>
+              <a:t>Clicker Q	</a:t>
+            </a:r>
+            <a:r>
+              <a:rPr lang="en-US" dirty="0" err="1"/>
+              <a:t>uestion</a:t>
+            </a:r>
+            <a:r>
+              <a:rPr lang="en-US" dirty="0"/>
+              <a:t> 2</a:t>
             </a:r>
           </a:p>
         </p:txBody>
@@ -7250,7 +7592,7 @@
           <p:cNvPr id="5" name="Text Placeholder 4">
             <a:extLst>
               <a:ext uri="{FF2B5EF4-FFF2-40B4-BE49-F238E27FC236}">
-                <a16:creationId xmlns:a16="http://schemas.microsoft.com/office/drawing/2014/main" id="{E96DBE00-A2E5-E444-92D3-9058F6DBF199}"/>
+                <a16:creationId xmlns:a16="http://schemas.microsoft.com/office/drawing/2014/main" id="{F5774198-E72D-E242-881D-200D1C742150}"/>
               </a:ext>
             </a:extLst>
           </p:cNvPr>
@@ -7273,7 +7615,7 @@
     </p:spTree>
     <p:extLst>
       <p:ext uri="{BB962C8B-B14F-4D97-AF65-F5344CB8AC3E}">
-        <p14:creationId xmlns:p14="http://schemas.microsoft.com/office/powerpoint/2010/main" val="3814015947"/>
+        <p14:creationId xmlns:p14="http://schemas.microsoft.com/office/powerpoint/2010/main" val="2983054572"/>
       </p:ext>
     </p:extLst>
   </p:cSld>
@@ -7302,10 +7644,10 @@
       </p:grpSpPr>
       <p:sp>
         <p:nvSpPr>
-          <p:cNvPr id="2" name="Title 1">
+          <p:cNvPr id="4" name="Title 3">
             <a:extLst>
               <a:ext uri="{FF2B5EF4-FFF2-40B4-BE49-F238E27FC236}">
-                <a16:creationId xmlns:a16="http://schemas.microsoft.com/office/drawing/2014/main" id="{1B302650-B865-354E-8D49-EF3536E1CCAC}"/>
+                <a16:creationId xmlns:a16="http://schemas.microsoft.com/office/drawing/2014/main" id="{4D6FA56C-5594-4640-A2AB-37DEC06D663A}"/>
               </a:ext>
             </a:extLst>
           </p:cNvPr>
@@ -7323,17 +7665,17 @@
           <a:p>
             <a:r>
               <a:rPr lang="en-US" dirty="0"/>
-              <a:t>Preventing evaluation errors</a:t>
-            </a:r>
-          </a:p>
-        </p:txBody>
-      </p:sp>
-      <p:sp>
-        <p:nvSpPr>
-          <p:cNvPr id="3" name="Content Placeholder 2">
+              <a:t>Type Safety</a:t>
+            </a:r>
+          </a:p>
+        </p:txBody>
+      </p:sp>
+      <p:sp>
+        <p:nvSpPr>
+          <p:cNvPr id="5" name="Text Placeholder 4">
             <a:extLst>
               <a:ext uri="{FF2B5EF4-FFF2-40B4-BE49-F238E27FC236}">
-                <a16:creationId xmlns:a16="http://schemas.microsoft.com/office/drawing/2014/main" id="{912AC3B7-5509-B943-AB98-2E0E699CB158}"/>
+                <a16:creationId xmlns:a16="http://schemas.microsoft.com/office/drawing/2014/main" id="{E96DBE00-A2E5-E444-92D3-9058F6DBF199}"/>
               </a:ext>
             </a:extLst>
           </p:cNvPr>
@@ -7341,127 +7683,22 @@
             <a:spLocks noGrp="1"/>
           </p:cNvSpPr>
           <p:nvPr>
-            <p:ph idx="1"/>
-          </p:nvPr>
-        </p:nvSpPr>
-        <p:spPr/>
-        <p:txBody>
-          <a:bodyPr>
-            <a:normAutofit/>
-          </a:bodyPr>
-          <a:lstStyle/>
-          <a:p>
-            <a:pPr marL="0" indent="0">
-              <a:buNone/>
-            </a:pPr>
-            <a:r>
-              <a:rPr lang="en-US" dirty="0"/>
-              <a:t>Evaluation of an expression </a:t>
-            </a:r>
-            <a:r>
-              <a:rPr lang="en-US" b="1" dirty="0">
-                <a:latin typeface="Courier" pitchFamily="2" charset="0"/>
-              </a:rPr>
-              <a:t>e</a:t>
-            </a:r>
-            <a:r>
-              <a:rPr lang="en-US" dirty="0"/>
-              <a:t> is </a:t>
-            </a:r>
-            <a:r>
-              <a:rPr lang="en-US" dirty="0">
-                <a:solidFill>
-                  <a:schemeClr val="accent1"/>
-                </a:solidFill>
-              </a:rPr>
-              <a:t>stuck </a:t>
-            </a:r>
-            <a:r>
-              <a:rPr lang="en-US" dirty="0"/>
-              <a:t>if:</a:t>
-            </a:r>
-          </a:p>
-          <a:p>
-            <a:r>
-              <a:rPr lang="en-US" b="1" dirty="0">
-                <a:latin typeface="Courier" pitchFamily="2" charset="0"/>
-              </a:rPr>
-              <a:t>e</a:t>
-            </a:r>
-            <a:r>
-              <a:rPr lang="en-US" b="1" dirty="0">
-                <a:latin typeface="Cronos Pro" panose="020C0502030403020304" pitchFamily="34" charset="77"/>
-              </a:rPr>
-              <a:t> </a:t>
-            </a:r>
-            <a:r>
-              <a:rPr lang="en-US" dirty="0"/>
-              <a:t>is not a value, and</a:t>
-            </a:r>
-          </a:p>
-          <a:p>
-            <a:r>
-              <a:rPr lang="en-US" b="1" dirty="0">
-                <a:latin typeface="Courier" pitchFamily="2" charset="0"/>
-              </a:rPr>
-              <a:t>e</a:t>
-            </a:r>
-            <a:r>
-              <a:rPr lang="en-US" b="1" dirty="0">
-                <a:latin typeface="Cronos Pro" panose="020C0502030403020304" pitchFamily="34" charset="77"/>
-              </a:rPr>
-              <a:t> </a:t>
-            </a:r>
-            <a:r>
-              <a:rPr lang="en-US" b="1" dirty="0">
-                <a:solidFill>
-                  <a:schemeClr val="tx2"/>
-                </a:solidFill>
-                <a:latin typeface="Courier New"/>
-                <a:cs typeface="Courier New"/>
-              </a:rPr>
-              <a:t>↛</a:t>
-            </a:r>
-            <a:endParaRPr lang="en-US" dirty="0"/>
-          </a:p>
-          <a:p>
-            <a:pPr marL="0" indent="0">
-              <a:buNone/>
-            </a:pPr>
-            <a:endParaRPr lang="en-US" dirty="0"/>
-          </a:p>
-          <a:p>
-            <a:pPr marL="0" indent="0">
-              <a:buNone/>
-            </a:pPr>
-            <a:r>
-              <a:rPr lang="en-US" dirty="0"/>
-              <a:t>Purpose of type system:</a:t>
-            </a:r>
-            <a:br>
-              <a:rPr lang="en-US" dirty="0"/>
-            </a:br>
-            <a:r>
-              <a:rPr lang="en-US" dirty="0">
-                <a:solidFill>
-                  <a:schemeClr val="accent6"/>
-                </a:solidFill>
-              </a:rPr>
-              <a:t>guarantee no expression ever gets stuck</a:t>
-            </a:r>
-          </a:p>
-          <a:p>
-            <a:pPr marL="0" indent="0">
-              <a:buNone/>
-            </a:pPr>
-            <a:endParaRPr lang="en-US" dirty="0"/>
+            <p:ph type="body" idx="1"/>
+          </p:nvPr>
+        </p:nvSpPr>
+        <p:spPr/>
+        <p:txBody>
+          <a:bodyPr/>
+          <a:lstStyle/>
+          <a:p>
+            <a:endParaRPr lang="en-US"/>
           </a:p>
         </p:txBody>
       </p:sp>
     </p:spTree>
     <p:extLst>
       <p:ext uri="{BB962C8B-B14F-4D97-AF65-F5344CB8AC3E}">
-        <p14:creationId xmlns:p14="http://schemas.microsoft.com/office/powerpoint/2010/main" val="3671582555"/>
+        <p14:creationId xmlns:p14="http://schemas.microsoft.com/office/powerpoint/2010/main" val="3814015947"/>
       </p:ext>
     </p:extLst>
   </p:cSld>
@@ -7490,6 +7727,194 @@
       </p:grpSpPr>
       <p:sp>
         <p:nvSpPr>
+          <p:cNvPr id="2" name="Title 1">
+            <a:extLst>
+              <a:ext uri="{FF2B5EF4-FFF2-40B4-BE49-F238E27FC236}">
+                <a16:creationId xmlns:a16="http://schemas.microsoft.com/office/drawing/2014/main" id="{1B302650-B865-354E-8D49-EF3536E1CCAC}"/>
+              </a:ext>
+            </a:extLst>
+          </p:cNvPr>
+          <p:cNvSpPr>
+            <a:spLocks noGrp="1"/>
+          </p:cNvSpPr>
+          <p:nvPr>
+            <p:ph type="title"/>
+          </p:nvPr>
+        </p:nvSpPr>
+        <p:spPr/>
+        <p:txBody>
+          <a:bodyPr/>
+          <a:lstStyle/>
+          <a:p>
+            <a:r>
+              <a:rPr lang="en-US" dirty="0"/>
+              <a:t>Preventing evaluation errors</a:t>
+            </a:r>
+          </a:p>
+        </p:txBody>
+      </p:sp>
+      <p:sp>
+        <p:nvSpPr>
+          <p:cNvPr id="3" name="Content Placeholder 2">
+            <a:extLst>
+              <a:ext uri="{FF2B5EF4-FFF2-40B4-BE49-F238E27FC236}">
+                <a16:creationId xmlns:a16="http://schemas.microsoft.com/office/drawing/2014/main" id="{912AC3B7-5509-B943-AB98-2E0E699CB158}"/>
+              </a:ext>
+            </a:extLst>
+          </p:cNvPr>
+          <p:cNvSpPr>
+            <a:spLocks noGrp="1"/>
+          </p:cNvSpPr>
+          <p:nvPr>
+            <p:ph idx="1"/>
+          </p:nvPr>
+        </p:nvSpPr>
+        <p:spPr/>
+        <p:txBody>
+          <a:bodyPr>
+            <a:normAutofit/>
+          </a:bodyPr>
+          <a:lstStyle/>
+          <a:p>
+            <a:pPr marL="0" indent="0">
+              <a:buNone/>
+            </a:pPr>
+            <a:r>
+              <a:rPr lang="en-US" dirty="0"/>
+              <a:t>Evaluation of an expression </a:t>
+            </a:r>
+            <a:r>
+              <a:rPr lang="en-US" b="1" dirty="0">
+                <a:latin typeface="Courier" pitchFamily="2" charset="0"/>
+              </a:rPr>
+              <a:t>e</a:t>
+            </a:r>
+            <a:r>
+              <a:rPr lang="en-US" dirty="0"/>
+              <a:t> is </a:t>
+            </a:r>
+            <a:r>
+              <a:rPr lang="en-US" dirty="0">
+                <a:solidFill>
+                  <a:schemeClr val="accent1"/>
+                </a:solidFill>
+              </a:rPr>
+              <a:t>stuck </a:t>
+            </a:r>
+            <a:r>
+              <a:rPr lang="en-US" dirty="0"/>
+              <a:t>if:</a:t>
+            </a:r>
+          </a:p>
+          <a:p>
+            <a:r>
+              <a:rPr lang="en-US" b="1" dirty="0">
+                <a:latin typeface="Courier" pitchFamily="2" charset="0"/>
+              </a:rPr>
+              <a:t>e</a:t>
+            </a:r>
+            <a:r>
+              <a:rPr lang="en-US" b="1" dirty="0">
+                <a:latin typeface="Cronos Pro" panose="020C0502030403020304" pitchFamily="34" charset="77"/>
+              </a:rPr>
+              <a:t> </a:t>
+            </a:r>
+            <a:r>
+              <a:rPr lang="en-US" dirty="0"/>
+              <a:t>is not a value, and</a:t>
+            </a:r>
+          </a:p>
+          <a:p>
+            <a:r>
+              <a:rPr lang="en-US" b="1" dirty="0">
+                <a:latin typeface="Courier" pitchFamily="2" charset="0"/>
+              </a:rPr>
+              <a:t>e</a:t>
+            </a:r>
+            <a:r>
+              <a:rPr lang="en-US" b="1" dirty="0">
+                <a:latin typeface="Cronos Pro" panose="020C0502030403020304" pitchFamily="34" charset="77"/>
+              </a:rPr>
+              <a:t> </a:t>
+            </a:r>
+            <a:r>
+              <a:rPr lang="en-US" b="1" dirty="0">
+                <a:solidFill>
+                  <a:schemeClr val="tx2"/>
+                </a:solidFill>
+                <a:latin typeface="Courier New"/>
+                <a:cs typeface="Courier New"/>
+              </a:rPr>
+              <a:t>↛</a:t>
+            </a:r>
+            <a:endParaRPr lang="en-US" dirty="0"/>
+          </a:p>
+          <a:p>
+            <a:pPr marL="0" indent="0">
+              <a:buNone/>
+            </a:pPr>
+            <a:endParaRPr lang="en-US" dirty="0"/>
+          </a:p>
+          <a:p>
+            <a:pPr marL="0" indent="0">
+              <a:buNone/>
+            </a:pPr>
+            <a:r>
+              <a:rPr lang="en-US" dirty="0"/>
+              <a:t>Purpose of type system:</a:t>
+            </a:r>
+            <a:br>
+              <a:rPr lang="en-US" dirty="0"/>
+            </a:br>
+            <a:r>
+              <a:rPr lang="en-US" dirty="0">
+                <a:solidFill>
+                  <a:schemeClr val="accent6"/>
+                </a:solidFill>
+              </a:rPr>
+              <a:t>guarantee no expression ever gets stuck</a:t>
+            </a:r>
+          </a:p>
+          <a:p>
+            <a:pPr marL="0" indent="0">
+              <a:buNone/>
+            </a:pPr>
+            <a:endParaRPr lang="en-US" dirty="0"/>
+          </a:p>
+        </p:txBody>
+      </p:sp>
+    </p:spTree>
+    <p:extLst>
+      <p:ext uri="{BB962C8B-B14F-4D97-AF65-F5344CB8AC3E}">
+        <p14:creationId xmlns:p14="http://schemas.microsoft.com/office/powerpoint/2010/main" val="3671582555"/>
+      </p:ext>
+    </p:extLst>
+  </p:cSld>
+  <p:clrMapOvr>
+    <a:masterClrMapping/>
+  </p:clrMapOvr>
+</p:sld>
+</file>
+
+<file path=ppt/slides/slide19.xml><?xml version="1.0" encoding="utf-8"?>
+<p:sld xmlns:a="http://schemas.openxmlformats.org/drawingml/2006/main" xmlns:r="http://schemas.openxmlformats.org/officeDocument/2006/relationships" xmlns:p="http://schemas.openxmlformats.org/presentationml/2006/main">
+  <p:cSld>
+    <p:spTree>
+      <p:nvGrpSpPr>
+        <p:cNvPr id="1" name=""/>
+        <p:cNvGrpSpPr/>
+        <p:nvPr/>
+      </p:nvGrpSpPr>
+      <p:grpSpPr>
+        <a:xfrm>
+          <a:off x="0" y="0"/>
+          <a:ext cx="0" cy="0"/>
+          <a:chOff x="0" y="0"/>
+          <a:chExt cx="0" cy="0"/>
+        </a:xfrm>
+      </p:grpSpPr>
+      <p:sp>
+        <p:nvSpPr>
           <p:cNvPr id="2" name="Title 1"/>
           <p:cNvSpPr>
             <a:spLocks noGrp="1"/>
@@ -7597,7 +8022,90 @@
 </p:sld>
 </file>
 
-<file path=ppt/slides/slide19.xml><?xml version="1.0" encoding="utf-8"?>
+<file path=ppt/slides/slide2.xml><?xml version="1.0" encoding="utf-8"?>
+<p:sld xmlns:a="http://schemas.openxmlformats.org/drawingml/2006/main" xmlns:r="http://schemas.openxmlformats.org/officeDocument/2006/relationships" xmlns:p="http://schemas.openxmlformats.org/presentationml/2006/main">
+  <p:cSld>
+    <p:spTree>
+      <p:nvGrpSpPr>
+        <p:cNvPr id="1" name=""/>
+        <p:cNvGrpSpPr/>
+        <p:nvPr/>
+      </p:nvGrpSpPr>
+      <p:grpSpPr>
+        <a:xfrm>
+          <a:off x="0" y="0"/>
+          <a:ext cx="0" cy="0"/>
+          <a:chOff x="0" y="0"/>
+          <a:chExt cx="0" cy="0"/>
+        </a:xfrm>
+      </p:grpSpPr>
+      <p:sp>
+        <p:nvSpPr>
+          <p:cNvPr id="4" name="Title 3">
+            <a:extLst>
+              <a:ext uri="{FF2B5EF4-FFF2-40B4-BE49-F238E27FC236}">
+                <a16:creationId xmlns:a16="http://schemas.microsoft.com/office/drawing/2014/main" id="{B4C1524D-8FFB-7F44-B821-562CC3B45841}"/>
+              </a:ext>
+            </a:extLst>
+          </p:cNvPr>
+          <p:cNvSpPr>
+            <a:spLocks noGrp="1"/>
+          </p:cNvSpPr>
+          <p:nvPr>
+            <p:ph type="title"/>
+          </p:nvPr>
+        </p:nvSpPr>
+        <p:spPr/>
+        <p:txBody>
+          <a:bodyPr/>
+          <a:lstStyle/>
+          <a:p>
+            <a:r>
+              <a:rPr lang="en-US" dirty="0"/>
+              <a:t>Clicker Question 1</a:t>
+            </a:r>
+          </a:p>
+        </p:txBody>
+      </p:sp>
+      <p:sp>
+        <p:nvSpPr>
+          <p:cNvPr id="5" name="Text Placeholder 4">
+            <a:extLst>
+              <a:ext uri="{FF2B5EF4-FFF2-40B4-BE49-F238E27FC236}">
+                <a16:creationId xmlns:a16="http://schemas.microsoft.com/office/drawing/2014/main" id="{ADA3BC3E-75A7-CE40-A6A2-CA285915CCF8}"/>
+              </a:ext>
+            </a:extLst>
+          </p:cNvPr>
+          <p:cNvSpPr>
+            <a:spLocks noGrp="1"/>
+          </p:cNvSpPr>
+          <p:nvPr>
+            <p:ph type="body" idx="1"/>
+          </p:nvPr>
+        </p:nvSpPr>
+        <p:spPr/>
+        <p:txBody>
+          <a:bodyPr/>
+          <a:lstStyle/>
+          <a:p>
+            <a:endParaRPr lang="en-US"/>
+          </a:p>
+        </p:txBody>
+      </p:sp>
+    </p:spTree>
+    <p:extLst>
+      <p:ext uri="{BB962C8B-B14F-4D97-AF65-F5344CB8AC3E}">
+        <p14:creationId xmlns:p14="http://schemas.microsoft.com/office/powerpoint/2010/main" val="327147434"/>
+      </p:ext>
+    </p:extLst>
+  </p:cSld>
+  <p:clrMapOvr>
+    <a:masterClrMapping/>
+  </p:clrMapOvr>
+</p:sld>
+</file>
+
+<file path=ppt/slides/slide20.xml><?xml version="1.0" encoding="utf-8"?>
 <p:sld xmlns:a="http://schemas.openxmlformats.org/drawingml/2006/main" xmlns:r="http://schemas.openxmlformats.org/officeDocument/2006/relationships" xmlns:p="http://schemas.openxmlformats.org/presentationml/2006/main">
   <p:cSld>
     <p:spTree>
@@ -8039,90 +8547,7 @@
 </p:sld>
 </file>
 
-<file path=ppt/slides/slide2.xml><?xml version="1.0" encoding="utf-8"?>
-<p:sld xmlns:a="http://schemas.openxmlformats.org/drawingml/2006/main" xmlns:r="http://schemas.openxmlformats.org/officeDocument/2006/relationships" xmlns:p="http://schemas.openxmlformats.org/presentationml/2006/main">
-  <p:cSld>
-    <p:spTree>
-      <p:nvGrpSpPr>
-        <p:cNvPr id="1" name=""/>
-        <p:cNvGrpSpPr/>
-        <p:nvPr/>
-      </p:nvGrpSpPr>
-      <p:grpSpPr>
-        <a:xfrm>
-          <a:off x="0" y="0"/>
-          <a:ext cx="0" cy="0"/>
-          <a:chOff x="0" y="0"/>
-          <a:chExt cx="0" cy="0"/>
-        </a:xfrm>
-      </p:grpSpPr>
-      <p:sp>
-        <p:nvSpPr>
-          <p:cNvPr id="4" name="Title 3">
-            <a:extLst>
-              <a:ext uri="{FF2B5EF4-FFF2-40B4-BE49-F238E27FC236}">
-                <a16:creationId xmlns:a16="http://schemas.microsoft.com/office/drawing/2014/main" id="{B4C1524D-8FFB-7F44-B821-562CC3B45841}"/>
-              </a:ext>
-            </a:extLst>
-          </p:cNvPr>
-          <p:cNvSpPr>
-            <a:spLocks noGrp="1"/>
-          </p:cNvSpPr>
-          <p:nvPr>
-            <p:ph type="title"/>
-          </p:nvPr>
-        </p:nvSpPr>
-        <p:spPr/>
-        <p:txBody>
-          <a:bodyPr/>
-          <a:lstStyle/>
-          <a:p>
-            <a:r>
-              <a:rPr lang="en-US" dirty="0"/>
-              <a:t>Clicker Question 1</a:t>
-            </a:r>
-          </a:p>
-        </p:txBody>
-      </p:sp>
-      <p:sp>
-        <p:nvSpPr>
-          <p:cNvPr id="5" name="Text Placeholder 4">
-            <a:extLst>
-              <a:ext uri="{FF2B5EF4-FFF2-40B4-BE49-F238E27FC236}">
-                <a16:creationId xmlns:a16="http://schemas.microsoft.com/office/drawing/2014/main" id="{ADA3BC3E-75A7-CE40-A6A2-CA285915CCF8}"/>
-              </a:ext>
-            </a:extLst>
-          </p:cNvPr>
-          <p:cNvSpPr>
-            <a:spLocks noGrp="1"/>
-          </p:cNvSpPr>
-          <p:nvPr>
-            <p:ph type="body" idx="1"/>
-          </p:nvPr>
-        </p:nvSpPr>
-        <p:spPr/>
-        <p:txBody>
-          <a:bodyPr/>
-          <a:lstStyle/>
-          <a:p>
-            <a:endParaRPr lang="en-US"/>
-          </a:p>
-        </p:txBody>
-      </p:sp>
-    </p:spTree>
-    <p:extLst>
-      <p:ext uri="{BB962C8B-B14F-4D97-AF65-F5344CB8AC3E}">
-        <p14:creationId xmlns:p14="http://schemas.microsoft.com/office/powerpoint/2010/main" val="327147434"/>
-      </p:ext>
-    </p:extLst>
-  </p:cSld>
-  <p:clrMapOvr>
-    <a:masterClrMapping/>
-  </p:clrMapOvr>
-</p:sld>
-</file>
-
-<file path=ppt/slides/slide20.xml><?xml version="1.0" encoding="utf-8"?>
+<file path=ppt/slides/slide21.xml><?xml version="1.0" encoding="utf-8"?>
 <p:sld xmlns:a="http://schemas.openxmlformats.org/drawingml/2006/main" xmlns:r="http://schemas.openxmlformats.org/officeDocument/2006/relationships" xmlns:p="http://schemas.openxmlformats.org/presentationml/2006/main">
   <p:cSld>
     <p:spTree>
@@ -8570,191 +8995,6 @@
 </p:sld>
 </file>
 
-<file path=ppt/slides/slide21.xml><?xml version="1.0" encoding="utf-8"?>
-<p:sld xmlns:a="http://schemas.openxmlformats.org/drawingml/2006/main" xmlns:r="http://schemas.openxmlformats.org/officeDocument/2006/relationships" xmlns:p="http://schemas.openxmlformats.org/presentationml/2006/main">
-  <p:cSld>
-    <p:spTree>
-      <p:nvGrpSpPr>
-        <p:cNvPr id="1" name=""/>
-        <p:cNvGrpSpPr/>
-        <p:nvPr/>
-      </p:nvGrpSpPr>
-      <p:grpSpPr>
-        <a:xfrm>
-          <a:off x="0" y="0"/>
-          <a:ext cx="0" cy="0"/>
-          <a:chOff x="0" y="0"/>
-          <a:chExt cx="0" cy="0"/>
-        </a:xfrm>
-      </p:grpSpPr>
-      <p:sp>
-        <p:nvSpPr>
-          <p:cNvPr id="2" name="Title 1"/>
-          <p:cNvSpPr>
-            <a:spLocks noGrp="1"/>
-          </p:cNvSpPr>
-          <p:nvPr>
-            <p:ph type="title"/>
-          </p:nvPr>
-        </p:nvSpPr>
-        <p:spPr/>
-        <p:txBody>
-          <a:bodyPr/>
-          <a:lstStyle/>
-          <a:p>
-            <a:r>
-              <a:rPr lang="en-US" dirty="0"/>
-              <a:t>Type safety proof sketch</a:t>
-            </a:r>
-          </a:p>
-        </p:txBody>
-      </p:sp>
-      <p:sp>
-        <p:nvSpPr>
-          <p:cNvPr id="3" name="Content Placeholder 2"/>
-          <p:cNvSpPr>
-            <a:spLocks noGrp="1"/>
-          </p:cNvSpPr>
-          <p:nvPr>
-            <p:ph idx="1"/>
-          </p:nvPr>
-        </p:nvSpPr>
-        <p:spPr/>
-        <p:txBody>
-          <a:bodyPr>
-            <a:normAutofit fontScale="70000" lnSpcReduction="20000"/>
-          </a:bodyPr>
-          <a:lstStyle/>
-          <a:p>
-            <a:pPr marL="0" indent="0">
-              <a:buNone/>
-            </a:pPr>
-            <a:r>
-              <a:rPr lang="en-US" b="1" dirty="0"/>
-              <a:t>Claim:  </a:t>
-            </a:r>
-            <a:r>
-              <a:rPr lang="en-US" dirty="0"/>
-              <a:t>Well-typed programs don’t get stuck.</a:t>
-            </a:r>
-          </a:p>
-          <a:p>
-            <a:pPr marL="0" indent="0">
-              <a:buNone/>
-            </a:pPr>
-            <a:endParaRPr lang="en-US" dirty="0"/>
-          </a:p>
-          <a:p>
-            <a:pPr marL="0" indent="0">
-              <a:buNone/>
-            </a:pPr>
-            <a:r>
-              <a:rPr lang="en-US" b="1" dirty="0"/>
-              <a:t>Proof: </a:t>
-            </a:r>
-            <a:r>
-              <a:rPr lang="en-US" dirty="0"/>
-              <a:t>by induction on number of steps to reach a value.</a:t>
-            </a:r>
-          </a:p>
-          <a:p>
-            <a:pPr marL="0" indent="0">
-              <a:buNone/>
-            </a:pPr>
-            <a:endParaRPr lang="en-US" dirty="0"/>
-          </a:p>
-          <a:p>
-            <a:pPr marL="0" indent="0">
-              <a:buNone/>
-            </a:pPr>
-            <a:r>
-              <a:rPr lang="en-US" b="1" dirty="0"/>
-              <a:t>Base case:  </a:t>
-            </a:r>
-            <a:r>
-              <a:rPr lang="en-US" dirty="0"/>
-              <a:t>value.  Zero steps.</a:t>
-            </a:r>
-          </a:p>
-          <a:p>
-            <a:pPr marL="0" indent="0">
-              <a:buNone/>
-            </a:pPr>
-            <a:r>
-              <a:rPr lang="en-US" dirty="0"/>
-              <a:t>	Already done, hence not stuck.</a:t>
-            </a:r>
-          </a:p>
-          <a:p>
-            <a:pPr marL="0" indent="0">
-              <a:buNone/>
-            </a:pPr>
-            <a:endParaRPr lang="en-US" dirty="0"/>
-          </a:p>
-          <a:p>
-            <a:pPr marL="0" indent="0">
-              <a:buNone/>
-            </a:pPr>
-            <a:r>
-              <a:rPr lang="en-US" b="1" dirty="0"/>
-              <a:t>Inductive case:  </a:t>
-            </a:r>
-            <a:r>
-              <a:rPr lang="en-US" dirty="0"/>
-              <a:t>not a value.</a:t>
-            </a:r>
-          </a:p>
-          <a:p>
-            <a:pPr lvl="1"/>
-            <a:r>
-              <a:rPr lang="en-US" dirty="0"/>
-              <a:t>By progress:  can take one step.</a:t>
-            </a:r>
-          </a:p>
-          <a:p>
-            <a:pPr lvl="1"/>
-            <a:r>
-              <a:rPr lang="en-US" dirty="0"/>
-              <a:t>By preservation:  still well-typed.</a:t>
-            </a:r>
-          </a:p>
-          <a:p>
-            <a:pPr lvl="1"/>
-            <a:r>
-              <a:rPr lang="en-US" dirty="0"/>
-              <a:t>IH applies:  one step taken.</a:t>
-            </a:r>
-          </a:p>
-          <a:p>
-            <a:pPr marL="457200" lvl="1" indent="0">
-              <a:buNone/>
-            </a:pPr>
-            <a:endParaRPr lang="en-US" dirty="0"/>
-          </a:p>
-          <a:p>
-            <a:pPr marL="0" indent="0">
-              <a:buNone/>
-            </a:pPr>
-            <a:r>
-              <a:rPr lang="en-US" b="1" dirty="0"/>
-              <a:t>QED.</a:t>
-            </a:r>
-          </a:p>
-        </p:txBody>
-      </p:sp>
-    </p:spTree>
-    <p:extLst>
-      <p:ext uri="{BB962C8B-B14F-4D97-AF65-F5344CB8AC3E}">
-        <p14:creationId xmlns:p14="http://schemas.microsoft.com/office/powerpoint/2010/main" val="408435207"/>
-      </p:ext>
-    </p:extLst>
-  </p:cSld>
-  <p:clrMapOvr>
-    <a:masterClrMapping/>
-  </p:clrMapOvr>
-</p:sld>
-</file>
-
 <file path=ppt/slides/slide22.xml><?xml version="1.0" encoding="utf-8"?>
 <p:sld xmlns:a="http://schemas.openxmlformats.org/drawingml/2006/main" xmlns:r="http://schemas.openxmlformats.org/officeDocument/2006/relationships" xmlns:p="http://schemas.openxmlformats.org/presentationml/2006/main">
   <p:cSld>
@@ -8774,13 +9014,7 @@
       </p:grpSpPr>
       <p:sp>
         <p:nvSpPr>
-          <p:cNvPr id="4" name="Title 3">
-            <a:extLst>
-              <a:ext uri="{FF2B5EF4-FFF2-40B4-BE49-F238E27FC236}">
-                <a16:creationId xmlns:a16="http://schemas.microsoft.com/office/drawing/2014/main" id="{0660FFDB-98A6-EA4F-A3F9-89F6D281B066}"/>
-              </a:ext>
-            </a:extLst>
-          </p:cNvPr>
+          <p:cNvPr id="2" name="Title 1"/>
           <p:cNvSpPr>
             <a:spLocks noGrp="1"/>
           </p:cNvSpPr>
@@ -8795,46 +9029,455 @@
           <a:p>
             <a:r>
               <a:rPr lang="en-US" dirty="0"/>
-              <a:t>Type Inference</a:t>
-            </a:r>
-          </a:p>
-        </p:txBody>
-      </p:sp>
-      <p:sp>
-        <p:nvSpPr>
-          <p:cNvPr id="5" name="Text Placeholder 4">
-            <a:extLst>
-              <a:ext uri="{FF2B5EF4-FFF2-40B4-BE49-F238E27FC236}">
-                <a16:creationId xmlns:a16="http://schemas.microsoft.com/office/drawing/2014/main" id="{AC6B34F7-601D-6F49-908B-C09DED6CC9A0}"/>
-              </a:ext>
-            </a:extLst>
-          </p:cNvPr>
-          <p:cNvSpPr>
-            <a:spLocks noGrp="1"/>
-          </p:cNvSpPr>
-          <p:nvPr>
-            <p:ph type="body" idx="1"/>
-          </p:nvPr>
-        </p:nvSpPr>
-        <p:spPr/>
-        <p:txBody>
-          <a:bodyPr/>
-          <a:lstStyle/>
-          <a:p>
-            <a:endParaRPr lang="en-US"/>
+              <a:t>Type safety proof sketch</a:t>
+            </a:r>
+          </a:p>
+        </p:txBody>
+      </p:sp>
+      <p:sp>
+        <p:nvSpPr>
+          <p:cNvPr id="3" name="Content Placeholder 2"/>
+          <p:cNvSpPr>
+            <a:spLocks noGrp="1"/>
+          </p:cNvSpPr>
+          <p:nvPr>
+            <p:ph idx="1"/>
+          </p:nvPr>
+        </p:nvSpPr>
+        <p:spPr/>
+        <p:txBody>
+          <a:bodyPr>
+            <a:normAutofit fontScale="70000" lnSpcReduction="20000"/>
+          </a:bodyPr>
+          <a:lstStyle/>
+          <a:p>
+            <a:pPr marL="0" indent="0">
+              <a:buNone/>
+            </a:pPr>
+            <a:r>
+              <a:rPr lang="en-US" b="1" dirty="0"/>
+              <a:t>Claim:  </a:t>
+            </a:r>
+            <a:r>
+              <a:rPr lang="en-US" dirty="0"/>
+              <a:t>Well-typed programs don’t get stuck.</a:t>
+            </a:r>
+          </a:p>
+          <a:p>
+            <a:pPr marL="0" indent="0">
+              <a:buNone/>
+            </a:pPr>
+            <a:endParaRPr lang="en-US" dirty="0"/>
+          </a:p>
+          <a:p>
+            <a:pPr marL="0" indent="0">
+              <a:buNone/>
+            </a:pPr>
+            <a:r>
+              <a:rPr lang="en-US" b="1" dirty="0"/>
+              <a:t>Proof: </a:t>
+            </a:r>
+            <a:r>
+              <a:rPr lang="en-US" dirty="0"/>
+              <a:t>by induction on number of steps to reach a value.</a:t>
+            </a:r>
+          </a:p>
+          <a:p>
+            <a:pPr marL="0" indent="0">
+              <a:buNone/>
+            </a:pPr>
+            <a:endParaRPr lang="en-US" dirty="0"/>
+          </a:p>
+          <a:p>
+            <a:pPr marL="0" indent="0">
+              <a:buNone/>
+            </a:pPr>
+            <a:r>
+              <a:rPr lang="en-US" b="1" dirty="0"/>
+              <a:t>Base case:  </a:t>
+            </a:r>
+            <a:r>
+              <a:rPr lang="en-US" dirty="0"/>
+              <a:t>value.  Zero steps.</a:t>
+            </a:r>
+          </a:p>
+          <a:p>
+            <a:pPr marL="0" indent="0">
+              <a:buNone/>
+            </a:pPr>
+            <a:r>
+              <a:rPr lang="en-US" dirty="0"/>
+              <a:t>	Already done, hence not stuck.</a:t>
+            </a:r>
+          </a:p>
+          <a:p>
+            <a:pPr marL="0" indent="0">
+              <a:buNone/>
+            </a:pPr>
+            <a:endParaRPr lang="en-US" dirty="0"/>
+          </a:p>
+          <a:p>
+            <a:pPr marL="0" indent="0">
+              <a:buNone/>
+            </a:pPr>
+            <a:r>
+              <a:rPr lang="en-US" b="1" dirty="0"/>
+              <a:t>Inductive case:  </a:t>
+            </a:r>
+            <a:r>
+              <a:rPr lang="en-US" dirty="0"/>
+              <a:t>not a value.</a:t>
+            </a:r>
+          </a:p>
+          <a:p>
+            <a:pPr lvl="1"/>
+            <a:r>
+              <a:rPr lang="en-US" dirty="0"/>
+              <a:t>By progress:  can take one step.</a:t>
+            </a:r>
+          </a:p>
+          <a:p>
+            <a:pPr lvl="1"/>
+            <a:r>
+              <a:rPr lang="en-US" dirty="0"/>
+              <a:t>By preservation:  still well-typed.</a:t>
+            </a:r>
+          </a:p>
+          <a:p>
+            <a:pPr lvl="1"/>
+            <a:r>
+              <a:rPr lang="en-US" dirty="0"/>
+              <a:t>IH applies:  one step taken.</a:t>
+            </a:r>
+          </a:p>
+          <a:p>
+            <a:pPr marL="457200" lvl="1" indent="0">
+              <a:buNone/>
+            </a:pPr>
+            <a:endParaRPr lang="en-US" dirty="0"/>
+          </a:p>
+          <a:p>
+            <a:pPr marL="0" indent="0">
+              <a:buNone/>
+            </a:pPr>
+            <a:r>
+              <a:rPr lang="en-US" b="1" dirty="0"/>
+              <a:t>QED.</a:t>
+            </a:r>
           </a:p>
         </p:txBody>
       </p:sp>
     </p:spTree>
     <p:extLst>
       <p:ext uri="{BB962C8B-B14F-4D97-AF65-F5344CB8AC3E}">
-        <p14:creationId xmlns:p14="http://schemas.microsoft.com/office/powerpoint/2010/main" val="2391956954"/>
+        <p14:creationId xmlns:p14="http://schemas.microsoft.com/office/powerpoint/2010/main" val="408435207"/>
       </p:ext>
     </p:extLst>
   </p:cSld>
   <p:clrMapOvr>
     <a:masterClrMapping/>
   </p:clrMapOvr>
+  <p:timing>
+    <p:tnLst>
+      <p:par>
+        <p:cTn id="1" dur="indefinite" restart="never" nodeType="tmRoot">
+          <p:childTnLst>
+            <p:seq concurrent="1" nextAc="seek">
+              <p:cTn id="2" dur="indefinite" nodeType="mainSeq">
+                <p:childTnLst>
+                  <p:par>
+                    <p:cTn id="3" fill="hold">
+                      <p:stCondLst>
+                        <p:cond delay="indefinite"/>
+                      </p:stCondLst>
+                      <p:childTnLst>
+                        <p:par>
+                          <p:cTn id="4" fill="hold">
+                            <p:stCondLst>
+                              <p:cond delay="0"/>
+                            </p:stCondLst>
+                            <p:childTnLst>
+                              <p:par>
+                                <p:cTn id="5" presetID="1" presetClass="entr" presetSubtype="0" fill="hold" nodeType="clickEffect">
+                                  <p:stCondLst>
+                                    <p:cond delay="0"/>
+                                  </p:stCondLst>
+                                  <p:childTnLst>
+                                    <p:set>
+                                      <p:cBhvr>
+                                        <p:cTn id="6" dur="1" fill="hold">
+                                          <p:stCondLst>
+                                            <p:cond delay="0"/>
+                                          </p:stCondLst>
+                                        </p:cTn>
+                                        <p:tgtEl>
+                                          <p:spTgt spid="3">
+                                            <p:txEl>
+                                              <p:pRg st="4" end="4"/>
+                                            </p:txEl>
+                                          </p:spTgt>
+                                        </p:tgtEl>
+                                        <p:attrNameLst>
+                                          <p:attrName>style.visibility</p:attrName>
+                                        </p:attrNameLst>
+                                      </p:cBhvr>
+                                      <p:to>
+                                        <p:strVal val="visible"/>
+                                      </p:to>
+                                    </p:set>
+                                  </p:childTnLst>
+                                </p:cTn>
+                              </p:par>
+                              <p:par>
+                                <p:cTn id="7" presetID="1" presetClass="entr" presetSubtype="0" fill="hold" nodeType="withEffect">
+                                  <p:stCondLst>
+                                    <p:cond delay="0"/>
+                                  </p:stCondLst>
+                                  <p:childTnLst>
+                                    <p:set>
+                                      <p:cBhvr>
+                                        <p:cTn id="8" dur="1" fill="hold">
+                                          <p:stCondLst>
+                                            <p:cond delay="0"/>
+                                          </p:stCondLst>
+                                        </p:cTn>
+                                        <p:tgtEl>
+                                          <p:spTgt spid="3">
+                                            <p:txEl>
+                                              <p:pRg st="5" end="5"/>
+                                            </p:txEl>
+                                          </p:spTgt>
+                                        </p:tgtEl>
+                                        <p:attrNameLst>
+                                          <p:attrName>style.visibility</p:attrName>
+                                        </p:attrNameLst>
+                                      </p:cBhvr>
+                                      <p:to>
+                                        <p:strVal val="visible"/>
+                                      </p:to>
+                                    </p:set>
+                                  </p:childTnLst>
+                                </p:cTn>
+                              </p:par>
+                            </p:childTnLst>
+                          </p:cTn>
+                        </p:par>
+                      </p:childTnLst>
+                    </p:cTn>
+                  </p:par>
+                  <p:par>
+                    <p:cTn id="9" fill="hold">
+                      <p:stCondLst>
+                        <p:cond delay="indefinite"/>
+                      </p:stCondLst>
+                      <p:childTnLst>
+                        <p:par>
+                          <p:cTn id="10" fill="hold">
+                            <p:stCondLst>
+                              <p:cond delay="0"/>
+                            </p:stCondLst>
+                            <p:childTnLst>
+                              <p:par>
+                                <p:cTn id="11" presetID="1" presetClass="entr" presetSubtype="0" fill="hold" nodeType="clickEffect">
+                                  <p:stCondLst>
+                                    <p:cond delay="0"/>
+                                  </p:stCondLst>
+                                  <p:childTnLst>
+                                    <p:set>
+                                      <p:cBhvr>
+                                        <p:cTn id="12" dur="1" fill="hold">
+                                          <p:stCondLst>
+                                            <p:cond delay="0"/>
+                                          </p:stCondLst>
+                                        </p:cTn>
+                                        <p:tgtEl>
+                                          <p:spTgt spid="3">
+                                            <p:txEl>
+                                              <p:pRg st="7" end="7"/>
+                                            </p:txEl>
+                                          </p:spTgt>
+                                        </p:tgtEl>
+                                        <p:attrNameLst>
+                                          <p:attrName>style.visibility</p:attrName>
+                                        </p:attrNameLst>
+                                      </p:cBhvr>
+                                      <p:to>
+                                        <p:strVal val="visible"/>
+                                      </p:to>
+                                    </p:set>
+                                  </p:childTnLst>
+                                </p:cTn>
+                              </p:par>
+                              <p:par>
+                                <p:cTn id="13" presetID="1" presetClass="entr" presetSubtype="0" fill="hold" nodeType="withEffect">
+                                  <p:stCondLst>
+                                    <p:cond delay="0"/>
+                                  </p:stCondLst>
+                                  <p:childTnLst>
+                                    <p:set>
+                                      <p:cBhvr>
+                                        <p:cTn id="14" dur="1" fill="hold">
+                                          <p:stCondLst>
+                                            <p:cond delay="0"/>
+                                          </p:stCondLst>
+                                        </p:cTn>
+                                        <p:tgtEl>
+                                          <p:spTgt spid="3">
+                                            <p:txEl>
+                                              <p:pRg st="8" end="8"/>
+                                            </p:txEl>
+                                          </p:spTgt>
+                                        </p:tgtEl>
+                                        <p:attrNameLst>
+                                          <p:attrName>style.visibility</p:attrName>
+                                        </p:attrNameLst>
+                                      </p:cBhvr>
+                                      <p:to>
+                                        <p:strVal val="visible"/>
+                                      </p:to>
+                                    </p:set>
+                                  </p:childTnLst>
+                                </p:cTn>
+                              </p:par>
+                              <p:par>
+                                <p:cTn id="15" presetID="1" presetClass="entr" presetSubtype="0" fill="hold" nodeType="withEffect">
+                                  <p:stCondLst>
+                                    <p:cond delay="0"/>
+                                  </p:stCondLst>
+                                  <p:childTnLst>
+                                    <p:set>
+                                      <p:cBhvr>
+                                        <p:cTn id="16" dur="1" fill="hold">
+                                          <p:stCondLst>
+                                            <p:cond delay="0"/>
+                                          </p:stCondLst>
+                                        </p:cTn>
+                                        <p:tgtEl>
+                                          <p:spTgt spid="3">
+                                            <p:txEl>
+                                              <p:pRg st="9" end="9"/>
+                                            </p:txEl>
+                                          </p:spTgt>
+                                        </p:tgtEl>
+                                        <p:attrNameLst>
+                                          <p:attrName>style.visibility</p:attrName>
+                                        </p:attrNameLst>
+                                      </p:cBhvr>
+                                      <p:to>
+                                        <p:strVal val="visible"/>
+                                      </p:to>
+                                    </p:set>
+                                  </p:childTnLst>
+                                </p:cTn>
+                              </p:par>
+                              <p:par>
+                                <p:cTn id="17" presetID="1" presetClass="entr" presetSubtype="0" fill="hold" nodeType="withEffect">
+                                  <p:stCondLst>
+                                    <p:cond delay="0"/>
+                                  </p:stCondLst>
+                                  <p:childTnLst>
+                                    <p:set>
+                                      <p:cBhvr>
+                                        <p:cTn id="18" dur="1" fill="hold">
+                                          <p:stCondLst>
+                                            <p:cond delay="0"/>
+                                          </p:stCondLst>
+                                        </p:cTn>
+                                        <p:tgtEl>
+                                          <p:spTgt spid="3">
+                                            <p:txEl>
+                                              <p:pRg st="10" end="10"/>
+                                            </p:txEl>
+                                          </p:spTgt>
+                                        </p:tgtEl>
+                                        <p:attrNameLst>
+                                          <p:attrName>style.visibility</p:attrName>
+                                        </p:attrNameLst>
+                                      </p:cBhvr>
+                                      <p:to>
+                                        <p:strVal val="visible"/>
+                                      </p:to>
+                                    </p:set>
+                                  </p:childTnLst>
+                                </p:cTn>
+                              </p:par>
+                            </p:childTnLst>
+                          </p:cTn>
+                        </p:par>
+                      </p:childTnLst>
+                    </p:cTn>
+                  </p:par>
+                  <p:par>
+                    <p:cTn id="19" fill="hold">
+                      <p:stCondLst>
+                        <p:cond delay="indefinite"/>
+                      </p:stCondLst>
+                      <p:childTnLst>
+                        <p:par>
+                          <p:cTn id="20" fill="hold">
+                            <p:stCondLst>
+                              <p:cond delay="0"/>
+                            </p:stCondLst>
+                            <p:childTnLst>
+                              <p:par>
+                                <p:cTn id="21" presetID="1" presetClass="entr" presetSubtype="0" fill="hold" nodeType="clickEffect">
+                                  <p:stCondLst>
+                                    <p:cond delay="0"/>
+                                  </p:stCondLst>
+                                  <p:childTnLst>
+                                    <p:set>
+                                      <p:cBhvr>
+                                        <p:cTn id="22" dur="1" fill="hold">
+                                          <p:stCondLst>
+                                            <p:cond delay="0"/>
+                                          </p:stCondLst>
+                                        </p:cTn>
+                                        <p:tgtEl>
+                                          <p:spTgt spid="3">
+                                            <p:txEl>
+                                              <p:pRg st="12" end="12"/>
+                                            </p:txEl>
+                                          </p:spTgt>
+                                        </p:tgtEl>
+                                        <p:attrNameLst>
+                                          <p:attrName>style.visibility</p:attrName>
+                                        </p:attrNameLst>
+                                      </p:cBhvr>
+                                      <p:to>
+                                        <p:strVal val="visible"/>
+                                      </p:to>
+                                    </p:set>
+                                  </p:childTnLst>
+                                </p:cTn>
+                              </p:par>
+                            </p:childTnLst>
+                          </p:cTn>
+                        </p:par>
+                      </p:childTnLst>
+                    </p:cTn>
+                  </p:par>
+                </p:childTnLst>
+              </p:cTn>
+              <p:prevCondLst>
+                <p:cond evt="onPrev" delay="0">
+                  <p:tgtEl>
+                    <p:sldTgt/>
+                  </p:tgtEl>
+                </p:cond>
+              </p:prevCondLst>
+              <p:nextCondLst>
+                <p:cond evt="onNext" delay="0">
+                  <p:tgtEl>
+                    <p:sldTgt/>
+                  </p:tgtEl>
+                </p:cond>
+              </p:nextCondLst>
+            </p:seq>
+          </p:childTnLst>
+        </p:cTn>
+      </p:par>
+    </p:tnLst>
+  </p:timing>
 </p:sld>
 </file>
 
@@ -8857,7 +9500,13 @@
       </p:grpSpPr>
       <p:sp>
         <p:nvSpPr>
-          <p:cNvPr id="2" name="Title 1"/>
+          <p:cNvPr id="4" name="Title 3">
+            <a:extLst>
+              <a:ext uri="{FF2B5EF4-FFF2-40B4-BE49-F238E27FC236}">
+                <a16:creationId xmlns:a16="http://schemas.microsoft.com/office/drawing/2014/main" id="{0660FFDB-98A6-EA4F-A3F9-89F6D281B066}"/>
+              </a:ext>
+            </a:extLst>
+          </p:cNvPr>
           <p:cNvSpPr>
             <a:spLocks noGrp="1"/>
           </p:cNvSpPr>
@@ -8872,386 +9521,40 @@
           <a:p>
             <a:r>
               <a:rPr lang="en-US" dirty="0"/>
-              <a:t>Typed </a:t>
-            </a:r>
-            <a:r>
-              <a:rPr lang="en-US" dirty="0" err="1"/>
-              <a:t>SimPL</a:t>
-            </a:r>
-            <a:r>
-              <a:rPr lang="en-US" dirty="0"/>
-              <a:t>, without annotations</a:t>
-            </a:r>
-          </a:p>
-        </p:txBody>
-      </p:sp>
-      <p:sp>
-        <p:nvSpPr>
-          <p:cNvPr id="3" name="Content Placeholder 2"/>
-          <p:cNvSpPr>
-            <a:spLocks noGrp="1"/>
-          </p:cNvSpPr>
-          <p:nvPr>
-            <p:ph idx="1"/>
-          </p:nvPr>
-        </p:nvSpPr>
-        <p:spPr/>
-        <p:txBody>
-          <a:bodyPr>
-            <a:normAutofit lnSpcReduction="10000"/>
-          </a:bodyPr>
-          <a:lstStyle/>
-          <a:p>
-            <a:pPr marL="0" indent="0">
-              <a:buNone/>
-            </a:pPr>
-            <a:r>
-              <a:rPr lang="en-US" b="1" dirty="0">
-                <a:latin typeface="Courier New"/>
-                <a:cs typeface="Courier New"/>
-              </a:rPr>
-              <a:t>e </a:t>
-            </a:r>
-            <a:r>
-              <a:rPr lang="en-US" b="1" dirty="0">
-                <a:solidFill>
-                  <a:schemeClr val="tx2">
-                    <a:lumMod val="60000"/>
-                    <a:lumOff val="40000"/>
-                  </a:schemeClr>
-                </a:solidFill>
-                <a:latin typeface="Courier New"/>
-                <a:cs typeface="Courier New"/>
-              </a:rPr>
-              <a:t>::=</a:t>
-            </a:r>
-            <a:r>
-              <a:rPr lang="en-US" b="1" dirty="0">
-                <a:latin typeface="Courier New"/>
-                <a:cs typeface="Courier New"/>
-              </a:rPr>
-              <a:t> x </a:t>
-            </a:r>
-            <a:r>
-              <a:rPr lang="en-US" b="1" dirty="0">
-                <a:solidFill>
-                  <a:schemeClr val="tx2">
-                    <a:lumMod val="60000"/>
-                    <a:lumOff val="40000"/>
-                  </a:schemeClr>
-                </a:solidFill>
-                <a:latin typeface="Courier New"/>
-                <a:cs typeface="Courier New"/>
-              </a:rPr>
-              <a:t>|</a:t>
-            </a:r>
-            <a:r>
-              <a:rPr lang="en-US" b="1" dirty="0">
-                <a:latin typeface="Courier New"/>
-                <a:cs typeface="Courier New"/>
-              </a:rPr>
-              <a:t> </a:t>
-            </a:r>
-            <a:r>
-              <a:rPr lang="en-US" b="1" dirty="0" err="1">
-                <a:latin typeface="Courier New"/>
-                <a:cs typeface="Courier New"/>
-              </a:rPr>
-              <a:t>i</a:t>
-            </a:r>
-            <a:r>
-              <a:rPr lang="en-US" b="1" dirty="0">
-                <a:latin typeface="Courier New"/>
-                <a:cs typeface="Courier New"/>
-              </a:rPr>
-              <a:t> </a:t>
-            </a:r>
-            <a:r>
-              <a:rPr lang="en-US" b="1" dirty="0">
-                <a:solidFill>
-                  <a:schemeClr val="tx2">
-                    <a:lumMod val="60000"/>
-                    <a:lumOff val="40000"/>
-                  </a:schemeClr>
-                </a:solidFill>
-                <a:latin typeface="Courier New"/>
-                <a:cs typeface="Courier New"/>
-              </a:rPr>
-              <a:t>|</a:t>
-            </a:r>
-            <a:r>
-              <a:rPr lang="en-US" b="1" dirty="0">
-                <a:latin typeface="Courier New"/>
-                <a:cs typeface="Courier New"/>
-              </a:rPr>
-              <a:t> b </a:t>
-            </a:r>
-          </a:p>
-          <a:p>
-            <a:pPr marL="0" indent="0">
-              <a:buNone/>
-            </a:pPr>
-            <a:r>
-              <a:rPr lang="en-US" b="1" dirty="0">
-                <a:latin typeface="Courier New"/>
-                <a:cs typeface="Courier New"/>
-              </a:rPr>
-              <a:t>    </a:t>
-            </a:r>
-            <a:r>
-              <a:rPr lang="en-US" b="1" dirty="0">
-                <a:solidFill>
-                  <a:schemeClr val="tx2">
-                    <a:lumMod val="60000"/>
-                    <a:lumOff val="40000"/>
-                  </a:schemeClr>
-                </a:solidFill>
-                <a:latin typeface="Courier New"/>
-                <a:cs typeface="Courier New"/>
-              </a:rPr>
-              <a:t>|</a:t>
-            </a:r>
-            <a:r>
-              <a:rPr lang="en-US" b="1" dirty="0">
-                <a:latin typeface="Courier New"/>
-                <a:cs typeface="Courier New"/>
-              </a:rPr>
-              <a:t> e1 bop e2</a:t>
-            </a:r>
-            <a:endParaRPr lang="en-US" b="1" dirty="0">
-              <a:solidFill>
-                <a:srgbClr val="F79646"/>
-              </a:solidFill>
-              <a:latin typeface="Courier New"/>
-              <a:cs typeface="Courier New"/>
-            </a:endParaRPr>
-          </a:p>
-          <a:p>
-            <a:pPr marL="0" indent="0">
-              <a:buNone/>
-            </a:pPr>
-            <a:r>
-              <a:rPr lang="en-US" b="1" dirty="0">
-                <a:latin typeface="Courier New"/>
-                <a:cs typeface="Courier New"/>
-              </a:rPr>
-              <a:t>    </a:t>
-            </a:r>
-            <a:r>
-              <a:rPr lang="en-US" b="1" dirty="0">
-                <a:solidFill>
-                  <a:schemeClr val="tx2">
-                    <a:lumMod val="60000"/>
-                    <a:lumOff val="40000"/>
-                  </a:schemeClr>
-                </a:solidFill>
-                <a:latin typeface="Courier New"/>
-                <a:cs typeface="Courier New"/>
-              </a:rPr>
-              <a:t>|</a:t>
-            </a:r>
-            <a:r>
-              <a:rPr lang="en-US" b="1" dirty="0">
-                <a:latin typeface="Courier New"/>
-                <a:cs typeface="Courier New"/>
-              </a:rPr>
-              <a:t> let x = e1 in e2</a:t>
-            </a:r>
-          </a:p>
-          <a:p>
-            <a:pPr marL="0" indent="0">
-              <a:buNone/>
-            </a:pPr>
-            <a:r>
-              <a:rPr lang="en-US" b="1" dirty="0">
-                <a:latin typeface="Courier New"/>
-                <a:cs typeface="Courier New"/>
-              </a:rPr>
-              <a:t>    </a:t>
-            </a:r>
-            <a:r>
-              <a:rPr lang="en-US" b="1" dirty="0">
-                <a:solidFill>
-                  <a:schemeClr val="tx2">
-                    <a:lumMod val="60000"/>
-                    <a:lumOff val="40000"/>
-                  </a:schemeClr>
-                </a:solidFill>
-                <a:latin typeface="Courier New"/>
-                <a:cs typeface="Courier New"/>
-              </a:rPr>
-              <a:t>|</a:t>
-            </a:r>
-            <a:r>
-              <a:rPr lang="en-US" b="1" dirty="0">
-                <a:latin typeface="Courier New"/>
-                <a:cs typeface="Courier New"/>
-              </a:rPr>
-              <a:t> if e1 then e2 else e3</a:t>
-            </a:r>
-          </a:p>
-          <a:p>
-            <a:pPr marL="0" indent="0">
-              <a:buNone/>
-            </a:pPr>
-            <a:endParaRPr lang="en-US" b="1" dirty="0">
-              <a:latin typeface="Courier New"/>
-              <a:cs typeface="Courier New"/>
-            </a:endParaRPr>
-          </a:p>
-          <a:p>
-            <a:pPr marL="0" indent="0">
-              <a:buNone/>
-            </a:pPr>
-            <a:r>
-              <a:rPr lang="en-US" b="1" dirty="0">
-                <a:latin typeface="Courier New"/>
-                <a:cs typeface="Courier New"/>
-              </a:rPr>
-              <a:t>bop </a:t>
-            </a:r>
-            <a:r>
-              <a:rPr lang="en-US" b="1" dirty="0">
-                <a:solidFill>
-                  <a:schemeClr val="tx2">
-                    <a:lumMod val="60000"/>
-                    <a:lumOff val="40000"/>
-                  </a:schemeClr>
-                </a:solidFill>
-                <a:latin typeface="Courier New"/>
-                <a:cs typeface="Courier New"/>
-              </a:rPr>
-              <a:t>::=</a:t>
-            </a:r>
-            <a:r>
-              <a:rPr lang="en-US" b="1" dirty="0">
-                <a:latin typeface="Courier New"/>
-                <a:cs typeface="Courier New"/>
-              </a:rPr>
-              <a:t> + </a:t>
-            </a:r>
-            <a:r>
-              <a:rPr lang="en-US" b="1" dirty="0">
-                <a:solidFill>
-                  <a:schemeClr val="tx2">
-                    <a:lumMod val="60000"/>
-                    <a:lumOff val="40000"/>
-                  </a:schemeClr>
-                </a:solidFill>
-                <a:latin typeface="Courier New"/>
-                <a:cs typeface="Courier New"/>
-              </a:rPr>
-              <a:t>|</a:t>
-            </a:r>
-            <a:r>
-              <a:rPr lang="en-US" b="1" dirty="0">
-                <a:latin typeface="Courier New"/>
-                <a:cs typeface="Courier New"/>
-              </a:rPr>
-              <a:t> * </a:t>
-            </a:r>
-            <a:r>
-              <a:rPr lang="en-US" b="1" dirty="0">
-                <a:solidFill>
-                  <a:schemeClr val="tx2">
-                    <a:lumMod val="60000"/>
-                    <a:lumOff val="40000"/>
-                  </a:schemeClr>
-                </a:solidFill>
-                <a:latin typeface="Courier New"/>
-                <a:cs typeface="Courier New"/>
-              </a:rPr>
-              <a:t>|</a:t>
-            </a:r>
-            <a:r>
-              <a:rPr lang="en-US" b="1" dirty="0">
-                <a:latin typeface="Courier New"/>
-                <a:cs typeface="Courier New"/>
-              </a:rPr>
-              <a:t> &lt;=</a:t>
-            </a:r>
-          </a:p>
-          <a:p>
-            <a:pPr marL="0" indent="0">
-              <a:buNone/>
-            </a:pPr>
-            <a:endParaRPr lang="en-US" b="1" dirty="0">
-              <a:latin typeface="Courier New"/>
-              <a:cs typeface="Courier New"/>
-            </a:endParaRPr>
-          </a:p>
-          <a:p>
-            <a:pPr marL="0" indent="0">
-              <a:buNone/>
-            </a:pPr>
-            <a:r>
-              <a:rPr lang="en-US" b="1" dirty="0">
-                <a:latin typeface="Courier New"/>
-                <a:cs typeface="Courier New"/>
-              </a:rPr>
-              <a:t>t </a:t>
-            </a:r>
-            <a:r>
-              <a:rPr lang="en-US" b="1" dirty="0">
-                <a:solidFill>
-                  <a:schemeClr val="tx2">
-                    <a:lumMod val="60000"/>
-                    <a:lumOff val="40000"/>
-                  </a:schemeClr>
-                </a:solidFill>
-                <a:latin typeface="Courier New"/>
-                <a:cs typeface="Courier New"/>
-              </a:rPr>
-              <a:t>::=</a:t>
-            </a:r>
-            <a:r>
-              <a:rPr lang="en-US" b="1" dirty="0">
-                <a:latin typeface="Courier New"/>
-                <a:cs typeface="Courier New"/>
-              </a:rPr>
-              <a:t> </a:t>
-            </a:r>
-            <a:r>
-              <a:rPr lang="en-US" b="1" dirty="0" err="1">
-                <a:latin typeface="Courier New"/>
-                <a:cs typeface="Courier New"/>
-              </a:rPr>
-              <a:t>int</a:t>
-            </a:r>
-            <a:r>
-              <a:rPr lang="en-US" b="1" dirty="0">
-                <a:latin typeface="Courier New"/>
-                <a:cs typeface="Courier New"/>
-              </a:rPr>
-              <a:t> </a:t>
-            </a:r>
-            <a:r>
-              <a:rPr lang="en-US" b="1" dirty="0">
-                <a:solidFill>
-                  <a:schemeClr val="tx2">
-                    <a:lumMod val="60000"/>
-                    <a:lumOff val="40000"/>
-                  </a:schemeClr>
-                </a:solidFill>
-                <a:latin typeface="Courier New"/>
-                <a:cs typeface="Courier New"/>
-              </a:rPr>
-              <a:t>|</a:t>
-            </a:r>
-            <a:r>
-              <a:rPr lang="en-US" b="1" dirty="0">
-                <a:latin typeface="Courier New"/>
-                <a:cs typeface="Courier New"/>
-              </a:rPr>
-              <a:t> bool</a:t>
-            </a:r>
+              <a:t>Type Inference</a:t>
+            </a:r>
+          </a:p>
+        </p:txBody>
+      </p:sp>
+      <p:sp>
+        <p:nvSpPr>
+          <p:cNvPr id="5" name="Text Placeholder 4">
+            <a:extLst>
+              <a:ext uri="{FF2B5EF4-FFF2-40B4-BE49-F238E27FC236}">
+                <a16:creationId xmlns:a16="http://schemas.microsoft.com/office/drawing/2014/main" id="{AC6B34F7-601D-6F49-908B-C09DED6CC9A0}"/>
+              </a:ext>
+            </a:extLst>
+          </p:cNvPr>
+          <p:cNvSpPr>
+            <a:spLocks noGrp="1"/>
+          </p:cNvSpPr>
+          <p:nvPr>
+            <p:ph type="body" idx="1"/>
+          </p:nvPr>
+        </p:nvSpPr>
+        <p:spPr/>
+        <p:txBody>
+          <a:bodyPr/>
+          <a:lstStyle/>
+          <a:p>
+            <a:endParaRPr lang="en-US"/>
           </a:p>
         </p:txBody>
       </p:sp>
     </p:spTree>
     <p:extLst>
       <p:ext uri="{BB962C8B-B14F-4D97-AF65-F5344CB8AC3E}">
-        <p14:creationId xmlns:p14="http://schemas.microsoft.com/office/powerpoint/2010/main" val="312289540"/>
+        <p14:creationId xmlns:p14="http://schemas.microsoft.com/office/powerpoint/2010/main" val="2391956954"/>
       </p:ext>
     </p:extLst>
   </p:cSld>
@@ -9280,13 +9583,7 @@
       </p:grpSpPr>
       <p:sp>
         <p:nvSpPr>
-          <p:cNvPr id="2" name="Title 1">
-            <a:extLst>
-              <a:ext uri="{FF2B5EF4-FFF2-40B4-BE49-F238E27FC236}">
-                <a16:creationId xmlns:a16="http://schemas.microsoft.com/office/drawing/2014/main" id="{F2A05BBF-2D38-F04F-8CE8-B4C15437E121}"/>
-              </a:ext>
-            </a:extLst>
-          </p:cNvPr>
+          <p:cNvPr id="2" name="Title 1"/>
           <p:cNvSpPr>
             <a:spLocks noGrp="1"/>
           </p:cNvSpPr>
@@ -9301,20 +9598,22 @@
           <a:p>
             <a:r>
               <a:rPr lang="en-US" dirty="0"/>
-              <a:t>Guess and check</a:t>
-            </a:r>
-          </a:p>
-        </p:txBody>
-      </p:sp>
-      <p:sp>
-        <p:nvSpPr>
-          <p:cNvPr id="3" name="Content Placeholder 2">
-            <a:extLst>
-              <a:ext uri="{FF2B5EF4-FFF2-40B4-BE49-F238E27FC236}">
-                <a16:creationId xmlns:a16="http://schemas.microsoft.com/office/drawing/2014/main" id="{6BB20EF2-4798-A44A-96FA-8B21A42BFB4C}"/>
-              </a:ext>
-            </a:extLst>
-          </p:cNvPr>
+              <a:t>Typed </a:t>
+            </a:r>
+            <a:r>
+              <a:rPr lang="en-US" dirty="0" err="1"/>
+              <a:t>SimPL</a:t>
+            </a:r>
+            <a:r>
+              <a:rPr lang="en-US" dirty="0"/>
+              <a:t>, without annotations</a:t>
+            </a:r>
+          </a:p>
+        </p:txBody>
+      </p:sp>
+      <p:sp>
+        <p:nvSpPr>
+          <p:cNvPr id="3" name="Content Placeholder 2"/>
           <p:cNvSpPr>
             <a:spLocks noGrp="1"/>
           </p:cNvSpPr>
@@ -9324,7 +9623,9 @@
         </p:nvSpPr>
         <p:spPr/>
         <p:txBody>
-          <a:bodyPr/>
+          <a:bodyPr>
+            <a:normAutofit lnSpcReduction="10000"/>
+          </a:bodyPr>
           <a:lstStyle/>
           <a:p>
             <a:pPr marL="0" indent="0">
@@ -9335,105 +9636,340 @@
                 <a:latin typeface="Courier New"/>
                 <a:cs typeface="Courier New"/>
               </a:rPr>
-              <a:t>let x = e1 in e2</a:t>
+              <a:t>e </a:t>
+            </a:r>
+            <a:r>
+              <a:rPr lang="en-US" b="1" dirty="0">
+                <a:solidFill>
+                  <a:schemeClr val="tx2">
+                    <a:lumMod val="60000"/>
+                    <a:lumOff val="40000"/>
+                  </a:schemeClr>
+                </a:solidFill>
+                <a:latin typeface="Courier New"/>
+                <a:cs typeface="Courier New"/>
+              </a:rPr>
+              <a:t>::=</a:t>
+            </a:r>
+            <a:r>
+              <a:rPr lang="en-US" b="1" dirty="0">
+                <a:latin typeface="Courier New"/>
+                <a:cs typeface="Courier New"/>
+              </a:rPr>
+              <a:t> x </a:t>
+            </a:r>
+            <a:r>
+              <a:rPr lang="en-US" b="1" dirty="0">
+                <a:solidFill>
+                  <a:schemeClr val="tx2">
+                    <a:lumMod val="60000"/>
+                    <a:lumOff val="40000"/>
+                  </a:schemeClr>
+                </a:solidFill>
+                <a:latin typeface="Courier New"/>
+                <a:cs typeface="Courier New"/>
+              </a:rPr>
+              <a:t>|</a:t>
+            </a:r>
+            <a:r>
+              <a:rPr lang="en-US" b="1" dirty="0">
+                <a:latin typeface="Courier New"/>
+                <a:cs typeface="Courier New"/>
+              </a:rPr>
+              <a:t> </a:t>
+            </a:r>
+            <a:r>
+              <a:rPr lang="en-US" b="1" dirty="0" err="1">
+                <a:latin typeface="Courier New"/>
+                <a:cs typeface="Courier New"/>
+              </a:rPr>
+              <a:t>i</a:t>
+            </a:r>
+            <a:r>
+              <a:rPr lang="en-US" b="1" dirty="0">
+                <a:latin typeface="Courier New"/>
+                <a:cs typeface="Courier New"/>
+              </a:rPr>
+              <a:t> </a:t>
+            </a:r>
+            <a:r>
+              <a:rPr lang="en-US" b="1" dirty="0">
+                <a:solidFill>
+                  <a:schemeClr val="tx2">
+                    <a:lumMod val="60000"/>
+                    <a:lumOff val="40000"/>
+                  </a:schemeClr>
+                </a:solidFill>
+                <a:latin typeface="Courier New"/>
+                <a:cs typeface="Courier New"/>
+              </a:rPr>
+              <a:t>|</a:t>
+            </a:r>
+            <a:r>
+              <a:rPr lang="en-US" b="1" dirty="0">
+                <a:latin typeface="Courier New"/>
+                <a:cs typeface="Courier New"/>
+              </a:rPr>
+              <a:t> b </a:t>
             </a:r>
           </a:p>
           <a:p>
             <a:pPr marL="0" indent="0">
               <a:buNone/>
             </a:pPr>
-            <a:endParaRPr lang="en-US" dirty="0"/>
-          </a:p>
-          <a:p>
-            <a:r>
-              <a:rPr lang="en-US" dirty="0"/>
-              <a:t>Infer type </a:t>
-            </a:r>
-            <a:r>
-              <a:rPr lang="en-US" b="1" dirty="0">
-                <a:latin typeface="Courier" pitchFamily="2" charset="0"/>
-              </a:rPr>
-              <a:t>t1</a:t>
-            </a:r>
-            <a:r>
-              <a:rPr lang="en-US" dirty="0"/>
-              <a:t> of </a:t>
-            </a:r>
-            <a:r>
-              <a:rPr lang="en-US" b="1" dirty="0">
-                <a:latin typeface="Courier" pitchFamily="2" charset="0"/>
-              </a:rPr>
-              <a:t>e1</a:t>
-            </a:r>
-          </a:p>
-          <a:p>
-            <a:r>
-              <a:rPr lang="en-US" dirty="0"/>
-              <a:t>Put </a:t>
-            </a:r>
-            <a:r>
-              <a:rPr lang="en-US" b="1" dirty="0">
-                <a:latin typeface="Courier" pitchFamily="2" charset="0"/>
-              </a:rPr>
-              <a:t>{x:t1}</a:t>
-            </a:r>
-            <a:r>
-              <a:rPr lang="en-US" dirty="0"/>
-              <a:t> in static environment</a:t>
-            </a:r>
-          </a:p>
-          <a:p>
-            <a:r>
-              <a:rPr lang="en-US" dirty="0"/>
-              <a:t>Use that to type check </a:t>
-            </a:r>
-            <a:r>
-              <a:rPr lang="en-US" b="1" dirty="0">
-                <a:latin typeface="Courier" pitchFamily="2" charset="0"/>
-              </a:rPr>
-              <a:t>e2</a:t>
-            </a:r>
-          </a:p>
-        </p:txBody>
-      </p:sp>
-      <p:sp>
-        <p:nvSpPr>
-          <p:cNvPr id="4" name="TextBox 3">
-            <a:extLst>
-              <a:ext uri="{FF2B5EF4-FFF2-40B4-BE49-F238E27FC236}">
-                <a16:creationId xmlns:a16="http://schemas.microsoft.com/office/drawing/2014/main" id="{B30F5956-9B64-5849-AD0E-12C06980E88C}"/>
-              </a:ext>
-            </a:extLst>
-          </p:cNvPr>
-          <p:cNvSpPr txBox="1"/>
-          <p:nvPr/>
-        </p:nvSpPr>
-        <p:spPr>
-          <a:xfrm>
-            <a:off x="7820832" y="6094812"/>
-            <a:ext cx="914033" cy="461665"/>
-          </a:xfrm>
-          <a:prstGeom prst="rect">
-            <a:avLst/>
-          </a:prstGeom>
-          <a:noFill/>
-        </p:spPr>
-        <p:txBody>
-          <a:bodyPr wrap="square" rtlCol="0">
-            <a:spAutoFit/>
-          </a:bodyPr>
-          <a:lstStyle/>
-          <a:p>
-            <a:r>
-              <a:rPr lang="en-US" sz="2400" dirty="0">
-                <a:solidFill>
-                  <a:schemeClr val="bg2">
-                    <a:lumMod val="50000"/>
+            <a:r>
+              <a:rPr lang="en-US" b="1" dirty="0">
+                <a:latin typeface="Courier New"/>
+                <a:cs typeface="Courier New"/>
+              </a:rPr>
+              <a:t>    </a:t>
+            </a:r>
+            <a:r>
+              <a:rPr lang="en-US" b="1" dirty="0">
+                <a:solidFill>
+                  <a:schemeClr val="tx2">
+                    <a:lumMod val="60000"/>
+                    <a:lumOff val="40000"/>
                   </a:schemeClr>
                 </a:solidFill>
-                <a:latin typeface="Cronos Pro" panose="020C0502030403020304" pitchFamily="34" charset="77"/>
-              </a:rPr>
-              <a:t>Demo</a:t>
+                <a:latin typeface="Courier New"/>
+                <a:cs typeface="Courier New"/>
+              </a:rPr>
+              <a:t>|</a:t>
+            </a:r>
+            <a:r>
+              <a:rPr lang="en-US" b="1" dirty="0">
+                <a:latin typeface="Courier New"/>
+                <a:cs typeface="Courier New"/>
+              </a:rPr>
+              <a:t> e1 bop e2</a:t>
+            </a:r>
+            <a:endParaRPr lang="en-US" b="1" dirty="0">
+              <a:solidFill>
+                <a:srgbClr val="F79646"/>
+              </a:solidFill>
+              <a:latin typeface="Courier New"/>
+              <a:cs typeface="Courier New"/>
+            </a:endParaRPr>
+          </a:p>
+          <a:p>
+            <a:pPr marL="0" indent="0">
+              <a:buNone/>
+            </a:pPr>
+            <a:r>
+              <a:rPr lang="en-US" b="1" dirty="0">
+                <a:latin typeface="Courier New"/>
+                <a:cs typeface="Courier New"/>
+              </a:rPr>
+              <a:t>    </a:t>
+            </a:r>
+            <a:r>
+              <a:rPr lang="en-US" b="1" dirty="0">
+                <a:solidFill>
+                  <a:schemeClr val="tx2">
+                    <a:lumMod val="60000"/>
+                    <a:lumOff val="40000"/>
+                  </a:schemeClr>
+                </a:solidFill>
+                <a:latin typeface="Courier New"/>
+                <a:cs typeface="Courier New"/>
+              </a:rPr>
+              <a:t>|</a:t>
+            </a:r>
+            <a:r>
+              <a:rPr lang="en-US" b="1" dirty="0">
+                <a:latin typeface="Courier New"/>
+                <a:cs typeface="Courier New"/>
+              </a:rPr>
+              <a:t> let x = e1 in e2</a:t>
+            </a:r>
+          </a:p>
+          <a:p>
+            <a:pPr marL="0" indent="0">
+              <a:buNone/>
+            </a:pPr>
+            <a:r>
+              <a:rPr lang="en-US" b="1" dirty="0">
+                <a:latin typeface="Courier New"/>
+                <a:cs typeface="Courier New"/>
+              </a:rPr>
+              <a:t>    </a:t>
+            </a:r>
+            <a:r>
+              <a:rPr lang="en-US" b="1" dirty="0">
+                <a:solidFill>
+                  <a:schemeClr val="tx2">
+                    <a:lumMod val="60000"/>
+                    <a:lumOff val="40000"/>
+                  </a:schemeClr>
+                </a:solidFill>
+                <a:latin typeface="Courier New"/>
+                <a:cs typeface="Courier New"/>
+              </a:rPr>
+              <a:t>|</a:t>
+            </a:r>
+            <a:r>
+              <a:rPr lang="en-US" b="1" dirty="0">
+                <a:latin typeface="Courier New"/>
+                <a:cs typeface="Courier New"/>
+              </a:rPr>
+              <a:t> if e1 then e2 else e3</a:t>
+            </a:r>
+          </a:p>
+          <a:p>
+            <a:pPr marL="0" indent="0">
+              <a:buNone/>
+            </a:pPr>
+            <a:endParaRPr lang="en-US" b="1" dirty="0">
+              <a:latin typeface="Courier New"/>
+              <a:cs typeface="Courier New"/>
+            </a:endParaRPr>
+          </a:p>
+          <a:p>
+            <a:pPr marL="0" indent="0">
+              <a:buNone/>
+            </a:pPr>
+            <a:r>
+              <a:rPr lang="en-US" b="1" dirty="0">
+                <a:latin typeface="Courier New"/>
+                <a:cs typeface="Courier New"/>
+              </a:rPr>
+              <a:t>bop </a:t>
+            </a:r>
+            <a:r>
+              <a:rPr lang="en-US" b="1" dirty="0">
+                <a:solidFill>
+                  <a:schemeClr val="tx2">
+                    <a:lumMod val="60000"/>
+                    <a:lumOff val="40000"/>
+                  </a:schemeClr>
+                </a:solidFill>
+                <a:latin typeface="Courier New"/>
+                <a:cs typeface="Courier New"/>
+              </a:rPr>
+              <a:t>::=</a:t>
+            </a:r>
+            <a:r>
+              <a:rPr lang="en-US" b="1" dirty="0">
+                <a:latin typeface="Courier New"/>
+                <a:cs typeface="Courier New"/>
+              </a:rPr>
+              <a:t> + </a:t>
+            </a:r>
+            <a:r>
+              <a:rPr lang="en-US" b="1" dirty="0">
+                <a:solidFill>
+                  <a:schemeClr val="tx2">
+                    <a:lumMod val="60000"/>
+                    <a:lumOff val="40000"/>
+                  </a:schemeClr>
+                </a:solidFill>
+                <a:latin typeface="Courier New"/>
+                <a:cs typeface="Courier New"/>
+              </a:rPr>
+              <a:t>|</a:t>
+            </a:r>
+            <a:r>
+              <a:rPr lang="en-US" b="1" dirty="0">
+                <a:latin typeface="Courier New"/>
+                <a:cs typeface="Courier New"/>
+              </a:rPr>
+              <a:t> * </a:t>
+            </a:r>
+            <a:r>
+              <a:rPr lang="en-US" b="1" dirty="0">
+                <a:solidFill>
+                  <a:schemeClr val="tx2">
+                    <a:lumMod val="60000"/>
+                    <a:lumOff val="40000"/>
+                  </a:schemeClr>
+                </a:solidFill>
+                <a:latin typeface="Courier New"/>
+                <a:cs typeface="Courier New"/>
+              </a:rPr>
+              <a:t>|</a:t>
+            </a:r>
+            <a:r>
+              <a:rPr lang="en-US" b="1" dirty="0">
+                <a:latin typeface="Courier New"/>
+                <a:cs typeface="Courier New"/>
+              </a:rPr>
+              <a:t> &lt;=</a:t>
+            </a:r>
+          </a:p>
+          <a:p>
+            <a:pPr marL="0" indent="0">
+              <a:buNone/>
+            </a:pPr>
+            <a:endParaRPr lang="en-US" b="1" dirty="0">
+              <a:latin typeface="Courier New"/>
+              <a:cs typeface="Courier New"/>
+            </a:endParaRPr>
+          </a:p>
+          <a:p>
+            <a:pPr marL="0" indent="0">
+              <a:buNone/>
+            </a:pPr>
+            <a:r>
+              <a:rPr lang="en-US" b="1" dirty="0">
+                <a:latin typeface="Courier New"/>
+                <a:cs typeface="Courier New"/>
+              </a:rPr>
+              <a:t>t </a:t>
+            </a:r>
+            <a:r>
+              <a:rPr lang="en-US" b="1" dirty="0">
+                <a:solidFill>
+                  <a:schemeClr val="tx2">
+                    <a:lumMod val="60000"/>
+                    <a:lumOff val="40000"/>
+                  </a:schemeClr>
+                </a:solidFill>
+                <a:latin typeface="Courier New"/>
+                <a:cs typeface="Courier New"/>
+              </a:rPr>
+              <a:t>::=</a:t>
+            </a:r>
+            <a:r>
+              <a:rPr lang="en-US" b="1" dirty="0">
+                <a:latin typeface="Courier New"/>
+                <a:cs typeface="Courier New"/>
+              </a:rPr>
+              <a:t> </a:t>
+            </a:r>
+            <a:r>
+              <a:rPr lang="en-US" b="1" dirty="0" err="1">
+                <a:latin typeface="Courier New"/>
+                <a:cs typeface="Courier New"/>
+              </a:rPr>
+              <a:t>int</a:t>
+            </a:r>
+            <a:r>
+              <a:rPr lang="en-US" b="1" dirty="0">
+                <a:latin typeface="Courier New"/>
+                <a:cs typeface="Courier New"/>
+              </a:rPr>
+              <a:t> </a:t>
+            </a:r>
+            <a:r>
+              <a:rPr lang="en-US" b="1" dirty="0">
+                <a:solidFill>
+                  <a:schemeClr val="tx2">
+                    <a:lumMod val="60000"/>
+                    <a:lumOff val="40000"/>
+                  </a:schemeClr>
+                </a:solidFill>
+                <a:latin typeface="Courier New"/>
+                <a:cs typeface="Courier New"/>
+              </a:rPr>
+              <a:t>|</a:t>
+            </a:r>
+            <a:r>
+              <a:rPr lang="en-US" b="1" dirty="0">
+                <a:latin typeface="Courier New"/>
+                <a:cs typeface="Courier New"/>
+              </a:rPr>
+              <a:t> bool</a:t>
             </a:r>
           </a:p>
         </p:txBody>
@@ -9441,7 +9977,7 @@
     </p:spTree>
     <p:extLst>
       <p:ext uri="{BB962C8B-B14F-4D97-AF65-F5344CB8AC3E}">
-        <p14:creationId xmlns:p14="http://schemas.microsoft.com/office/powerpoint/2010/main" val="2785367469"/>
+        <p14:creationId xmlns:p14="http://schemas.microsoft.com/office/powerpoint/2010/main" val="312289540"/>
       </p:ext>
     </p:extLst>
   </p:cSld>
@@ -9473,6 +10009,196 @@
           <p:cNvPr id="2" name="Title 1">
             <a:extLst>
               <a:ext uri="{FF2B5EF4-FFF2-40B4-BE49-F238E27FC236}">
+                <a16:creationId xmlns:a16="http://schemas.microsoft.com/office/drawing/2014/main" id="{F2A05BBF-2D38-F04F-8CE8-B4C15437E121}"/>
+              </a:ext>
+            </a:extLst>
+          </p:cNvPr>
+          <p:cNvSpPr>
+            <a:spLocks noGrp="1"/>
+          </p:cNvSpPr>
+          <p:nvPr>
+            <p:ph type="title"/>
+          </p:nvPr>
+        </p:nvSpPr>
+        <p:spPr/>
+        <p:txBody>
+          <a:bodyPr/>
+          <a:lstStyle/>
+          <a:p>
+            <a:r>
+              <a:rPr lang="en-US" dirty="0"/>
+              <a:t>Guess and check</a:t>
+            </a:r>
+          </a:p>
+        </p:txBody>
+      </p:sp>
+      <p:sp>
+        <p:nvSpPr>
+          <p:cNvPr id="3" name="Content Placeholder 2">
+            <a:extLst>
+              <a:ext uri="{FF2B5EF4-FFF2-40B4-BE49-F238E27FC236}">
+                <a16:creationId xmlns:a16="http://schemas.microsoft.com/office/drawing/2014/main" id="{6BB20EF2-4798-A44A-96FA-8B21A42BFB4C}"/>
+              </a:ext>
+            </a:extLst>
+          </p:cNvPr>
+          <p:cNvSpPr>
+            <a:spLocks noGrp="1"/>
+          </p:cNvSpPr>
+          <p:nvPr>
+            <p:ph idx="1"/>
+          </p:nvPr>
+        </p:nvSpPr>
+        <p:spPr/>
+        <p:txBody>
+          <a:bodyPr/>
+          <a:lstStyle/>
+          <a:p>
+            <a:pPr marL="0" indent="0">
+              <a:buNone/>
+            </a:pPr>
+            <a:r>
+              <a:rPr lang="en-US" b="1" dirty="0">
+                <a:latin typeface="Courier New"/>
+                <a:cs typeface="Courier New"/>
+              </a:rPr>
+              <a:t>let x = e1 in e2</a:t>
+            </a:r>
+          </a:p>
+          <a:p>
+            <a:pPr marL="0" indent="0">
+              <a:buNone/>
+            </a:pPr>
+            <a:endParaRPr lang="en-US" dirty="0"/>
+          </a:p>
+          <a:p>
+            <a:r>
+              <a:rPr lang="en-US" dirty="0"/>
+              <a:t>Infer type </a:t>
+            </a:r>
+            <a:r>
+              <a:rPr lang="en-US" b="1" dirty="0">
+                <a:latin typeface="Courier" pitchFamily="2" charset="0"/>
+              </a:rPr>
+              <a:t>t1</a:t>
+            </a:r>
+            <a:r>
+              <a:rPr lang="en-US" dirty="0"/>
+              <a:t> of </a:t>
+            </a:r>
+            <a:r>
+              <a:rPr lang="en-US" b="1" dirty="0">
+                <a:latin typeface="Courier" pitchFamily="2" charset="0"/>
+              </a:rPr>
+              <a:t>e1</a:t>
+            </a:r>
+          </a:p>
+          <a:p>
+            <a:r>
+              <a:rPr lang="en-US" dirty="0"/>
+              <a:t>Put </a:t>
+            </a:r>
+            <a:r>
+              <a:rPr lang="en-US" b="1" dirty="0">
+                <a:latin typeface="Courier" pitchFamily="2" charset="0"/>
+              </a:rPr>
+              <a:t>{x:t1}</a:t>
+            </a:r>
+            <a:r>
+              <a:rPr lang="en-US" dirty="0"/>
+              <a:t> in static environment</a:t>
+            </a:r>
+          </a:p>
+          <a:p>
+            <a:r>
+              <a:rPr lang="en-US" dirty="0"/>
+              <a:t>Use that to type check </a:t>
+            </a:r>
+            <a:r>
+              <a:rPr lang="en-US" b="1" dirty="0">
+                <a:latin typeface="Courier" pitchFamily="2" charset="0"/>
+              </a:rPr>
+              <a:t>e2</a:t>
+            </a:r>
+          </a:p>
+        </p:txBody>
+      </p:sp>
+      <p:sp>
+        <p:nvSpPr>
+          <p:cNvPr id="4" name="TextBox 3">
+            <a:extLst>
+              <a:ext uri="{FF2B5EF4-FFF2-40B4-BE49-F238E27FC236}">
+                <a16:creationId xmlns:a16="http://schemas.microsoft.com/office/drawing/2014/main" id="{B30F5956-9B64-5849-AD0E-12C06980E88C}"/>
+              </a:ext>
+            </a:extLst>
+          </p:cNvPr>
+          <p:cNvSpPr txBox="1"/>
+          <p:nvPr/>
+        </p:nvSpPr>
+        <p:spPr>
+          <a:xfrm>
+            <a:off x="7820832" y="6094812"/>
+            <a:ext cx="914033" cy="461665"/>
+          </a:xfrm>
+          <a:prstGeom prst="rect">
+            <a:avLst/>
+          </a:prstGeom>
+          <a:noFill/>
+        </p:spPr>
+        <p:txBody>
+          <a:bodyPr wrap="square" rtlCol="0">
+            <a:spAutoFit/>
+          </a:bodyPr>
+          <a:lstStyle/>
+          <a:p>
+            <a:r>
+              <a:rPr lang="en-US" sz="2400" dirty="0">
+                <a:solidFill>
+                  <a:schemeClr val="bg2">
+                    <a:lumMod val="50000"/>
+                  </a:schemeClr>
+                </a:solidFill>
+                <a:latin typeface="Cronos Pro" panose="020C0502030403020304" pitchFamily="34" charset="77"/>
+              </a:rPr>
+              <a:t>Demo</a:t>
+            </a:r>
+          </a:p>
+        </p:txBody>
+      </p:sp>
+    </p:spTree>
+    <p:extLst>
+      <p:ext uri="{BB962C8B-B14F-4D97-AF65-F5344CB8AC3E}">
+        <p14:creationId xmlns:p14="http://schemas.microsoft.com/office/powerpoint/2010/main" val="2785367469"/>
+      </p:ext>
+    </p:extLst>
+  </p:cSld>
+  <p:clrMapOvr>
+    <a:masterClrMapping/>
+  </p:clrMapOvr>
+</p:sld>
+</file>
+
+<file path=ppt/slides/slide26.xml><?xml version="1.0" encoding="utf-8"?>
+<p:sld xmlns:a="http://schemas.openxmlformats.org/drawingml/2006/main" xmlns:r="http://schemas.openxmlformats.org/officeDocument/2006/relationships" xmlns:p="http://schemas.openxmlformats.org/presentationml/2006/main">
+  <p:cSld>
+    <p:spTree>
+      <p:nvGrpSpPr>
+        <p:cNvPr id="1" name=""/>
+        <p:cNvGrpSpPr/>
+        <p:nvPr/>
+      </p:nvGrpSpPr>
+      <p:grpSpPr>
+        <a:xfrm>
+          <a:off x="0" y="0"/>
+          <a:ext cx="0" cy="0"/>
+          <a:chOff x="0" y="0"/>
+          <a:chExt cx="0" cy="0"/>
+        </a:xfrm>
+      </p:grpSpPr>
+      <p:sp>
+        <p:nvSpPr>
+          <p:cNvPr id="2" name="Title 1">
+            <a:extLst>
+              <a:ext uri="{FF2B5EF4-FFF2-40B4-BE49-F238E27FC236}">
                 <a16:creationId xmlns:a16="http://schemas.microsoft.com/office/drawing/2014/main" id="{68866929-F1A1-F24C-8BC9-52E5C48BE695}"/>
               </a:ext>
             </a:extLst>
@@ -9529,11 +10255,19 @@
               <a:t>Based on </a:t>
             </a:r>
             <a:r>
-              <a:rPr lang="en-US" dirty="0" err="1"/>
+              <a:rPr lang="en-US" dirty="0" err="1">
+                <a:solidFill>
+                  <a:schemeClr val="accent1"/>
+                </a:solidFill>
+              </a:rPr>
               <a:t>Hindley</a:t>
             </a:r>
             <a:r>
-              <a:rPr lang="en-US" dirty="0"/>
+              <a:rPr lang="en-US" dirty="0">
+                <a:solidFill>
+                  <a:schemeClr val="accent1"/>
+                </a:solidFill>
+              </a:rPr>
               <a:t>-Milner algorithm</a:t>
             </a:r>
           </a:p>
@@ -9566,8 +10300,17 @@
               <a:rPr lang="en-US" i="1" dirty="0">
                 <a:latin typeface="Cronos Pro" panose="020C0502030403020304" pitchFamily="34" charset="77"/>
               </a:rPr>
-              <a:t>(for the curious: see textbook 10.5, but we aren’t covering it this semester)</a:t>
-            </a:r>
+              <a:t>(for the curious: see textbook 10.5, but we aren’t covering it this semester unless I bump a lecture at the end of </a:t>
+            </a:r>
+            <a:r>
+              <a:rPr lang="en-US" i="1">
+                <a:latin typeface="Cronos Pro" panose="020C0502030403020304" pitchFamily="34" charset="77"/>
+              </a:rPr>
+              <a:t>the semester)</a:t>
+            </a:r>
+            <a:endParaRPr lang="en-US" i="1" dirty="0">
+              <a:latin typeface="Cronos Pro" panose="020C0502030403020304" pitchFamily="34" charset="77"/>
+            </a:endParaRPr>
           </a:p>
           <a:p>
             <a:pPr marL="0" indent="0">
@@ -9590,7 +10333,7 @@
 </p:sld>
 </file>
 
-<file path=ppt/slides/slide26.xml><?xml version="1.0" encoding="utf-8"?>
+<file path=ppt/slides/slide27.xml><?xml version="1.0" encoding="utf-8"?>
 <p:sld xmlns:a="http://schemas.openxmlformats.org/drawingml/2006/main" xmlns:r="http://schemas.openxmlformats.org/officeDocument/2006/relationships" xmlns:p="http://schemas.openxmlformats.org/presentationml/2006/main">
   <p:cSld>
     <p:spTree>
@@ -9745,7 +10488,7 @@
 </p:sld>
 </file>
 
-<file path=ppt/slides/slide27.xml><?xml version="1.0" encoding="utf-8"?>
+<file path=ppt/slides/slide28.xml><?xml version="1.0" encoding="utf-8"?>
 <p:sld xmlns:a="http://schemas.openxmlformats.org/drawingml/2006/main" xmlns:r="http://schemas.openxmlformats.org/officeDocument/2006/relationships" xmlns:p="http://schemas.openxmlformats.org/presentationml/2006/main">
   <p:cSld>
     <p:spTree>
@@ -10895,54 +11638,6 @@
           </a:p>
         </p:txBody>
       </p:sp>
-      <p:sp>
-        <p:nvSpPr>
-          <p:cNvPr id="4" name="Rectangle 3">
-            <a:extLst>
-              <a:ext uri="{FF2B5EF4-FFF2-40B4-BE49-F238E27FC236}">
-                <a16:creationId xmlns:a16="http://schemas.microsoft.com/office/drawing/2014/main" id="{00EA5491-7A0C-9E45-87EE-0BCF43DB1FB3}"/>
-              </a:ext>
-            </a:extLst>
-          </p:cNvPr>
-          <p:cNvSpPr/>
-          <p:nvPr/>
-        </p:nvSpPr>
-        <p:spPr>
-          <a:xfrm>
-            <a:off x="2662663" y="6055831"/>
-            <a:ext cx="3443571" cy="369332"/>
-          </a:xfrm>
-          <a:prstGeom prst="rect">
-            <a:avLst/>
-          </a:prstGeom>
-        </p:spPr>
-        <p:txBody>
-          <a:bodyPr wrap="none">
-            <a:spAutoFit/>
-          </a:bodyPr>
-          <a:lstStyle/>
-          <a:p>
-            <a:r>
-              <a:rPr lang="en-US" dirty="0">
-                <a:latin typeface="Cronos Pro" panose="020C0502030403020304" pitchFamily="34" charset="77"/>
-              </a:rPr>
-              <a:t>the </a:t>
-            </a:r>
-            <a:r>
-              <a:rPr lang="en-US" dirty="0" err="1">
-                <a:latin typeface="Courier" pitchFamily="2" charset="0"/>
-              </a:rPr>
-              <a:t>eval</a:t>
-            </a:r>
-            <a:r>
-              <a:rPr lang="en-US" dirty="0">
-                <a:latin typeface="Cronos Pro" panose="020C0502030403020304" pitchFamily="34" charset="77"/>
-              </a:rPr>
-              <a:t> function we implemented</a:t>
-            </a:r>
-          </a:p>
-        </p:txBody>
-      </p:sp>
     </p:spTree>
     <p:extLst>
       <p:ext uri="{BB962C8B-B14F-4D97-AF65-F5344CB8AC3E}">
@@ -11568,6 +12263,54 @@
               <a:latin typeface="CronosPro-Regular"/>
               <a:cs typeface="CronosPro-Regular"/>
             </a:endParaRPr>
+          </a:p>
+        </p:txBody>
+      </p:sp>
+      <p:sp>
+        <p:nvSpPr>
+          <p:cNvPr id="8" name="TextBox 7">
+            <a:extLst>
+              <a:ext uri="{FF2B5EF4-FFF2-40B4-BE49-F238E27FC236}">
+                <a16:creationId xmlns:a16="http://schemas.microsoft.com/office/drawing/2014/main" id="{9B6AA7A0-3705-C64C-BBED-2D5092C25F15}"/>
+              </a:ext>
+            </a:extLst>
+          </p:cNvPr>
+          <p:cNvSpPr txBox="1"/>
+          <p:nvPr/>
+        </p:nvSpPr>
+        <p:spPr>
+          <a:xfrm>
+            <a:off x="6781800" y="661472"/>
+            <a:ext cx="1838965" cy="369332"/>
+          </a:xfrm>
+          <a:prstGeom prst="rect">
+            <a:avLst/>
+          </a:prstGeom>
+          <a:noFill/>
+        </p:spPr>
+        <p:txBody>
+          <a:bodyPr wrap="none" rtlCol="0">
+            <a:spAutoFit/>
+          </a:bodyPr>
+          <a:lstStyle/>
+          <a:p>
+            <a:r>
+              <a:rPr lang="en-US" dirty="0">
+                <a:latin typeface="CronosPro-Regular"/>
+                <a:cs typeface="CronosPro-Regular"/>
+              </a:rPr>
+              <a:t>aka </a:t>
+            </a:r>
+            <a:r>
+              <a:rPr lang="en-US" dirty="0">
+                <a:solidFill>
+                  <a:schemeClr val="accent1"/>
+                </a:solidFill>
+                <a:latin typeface="CronosPro-Regular"/>
+                <a:cs typeface="CronosPro-Regular"/>
+              </a:rPr>
+              <a:t>typing context</a:t>
+            </a:r>
           </a:p>
         </p:txBody>
       </p:sp>
